--- a/.slides/04-advanced-mocking-and-decoupling.pptx
+++ b/.slides/04-advanced-mocking-and-decoupling.pptx
@@ -305,7 +305,7 @@
               <a:pPr>
                 <a:defRPr/>
               </a:pPr>
-              <a:t>4/12/2015</a:t>
+              <a:t>4/13/15</a:t>
             </a:fld>
             <a:endParaRPr lang="en-US"/>
           </a:p>
@@ -657,7 +657,7 @@
           <a:lstStyle/>
           <a:p>
             <a:r>
-              <a:rPr lang="zh-Hans" altLang="en-US" dirty="0" smtClean="0"/>
+              <a:rPr lang="zh-CHS" altLang="en-US" dirty="0" smtClean="0"/>
               <a:t>介绍新需求</a:t>
             </a:r>
             <a:endParaRPr lang="en-US" dirty="0"/>
@@ -844,7 +844,7 @@
           </a:ln>
           <a:extLst>
             <a:ext uri="{909E8E84-426E-40dd-AFC4-6F175D3DCCD1}">
-              <a14:hiddenFill xmlns="" xmlns:a14="http://schemas.microsoft.com/office/drawing/2010/main">
+              <a14:hiddenFill xmlns:a14="http://schemas.microsoft.com/office/drawing/2010/main" xmlns="">
                 <a:noFill/>
               </a14:hiddenFill>
             </a:ext>
@@ -888,7 +888,7 @@
           </a:ln>
           <a:extLst>
             <a:ext uri="{909E8E84-426E-40dd-AFC4-6F175D3DCCD1}">
-              <a14:hiddenFill xmlns="" xmlns:a14="http://schemas.microsoft.com/office/drawing/2010/main">
+              <a14:hiddenFill xmlns:a14="http://schemas.microsoft.com/office/drawing/2010/main" xmlns="">
                 <a:noFill/>
               </a14:hiddenFill>
             </a:ext>
@@ -937,14 +937,14 @@
           </a:ln>
           <a:extLst>
             <a:ext uri="{909E8E84-426E-40dd-AFC4-6F175D3DCCD1}">
-              <a14:hiddenFill xmlns="" xmlns:a14="http://schemas.microsoft.com/office/drawing/2010/main">
+              <a14:hiddenFill xmlns:a14="http://schemas.microsoft.com/office/drawing/2010/main" xmlns="">
                 <a:solidFill>
                   <a:srgbClr val="FFFFFF"/>
                 </a:solidFill>
               </a14:hiddenFill>
             </a:ext>
             <a:ext uri="{91240B29-F687-4f45-9708-019B960494DF}">
-              <a14:hiddenLine xmlns="" xmlns:a14="http://schemas.microsoft.com/office/drawing/2010/main" w="9525">
+              <a14:hiddenLine xmlns:a14="http://schemas.microsoft.com/office/drawing/2010/main" xmlns="" w="9525">
                 <a:solidFill>
                   <a:srgbClr val="000000"/>
                 </a:solidFill>
@@ -983,7 +983,7 @@
           </a:lstStyle>
           <a:p>
             <a:r>
-              <a:rPr lang="zh-Hans" altLang="en-US" smtClean="0"/>
+              <a:rPr lang="zh-CHS" altLang="en-US" smtClean="0"/>
               <a:t>单击此处编辑母版标题样式</a:t>
             </a:r>
             <a:endParaRPr lang="en-US" dirty="0"/>
@@ -1043,35 +1043,35 @@
           <a:p>
             <a:pPr lvl="0"/>
             <a:r>
-              <a:rPr lang="zh-Hans" altLang="en-US" smtClean="0"/>
+              <a:rPr lang="zh-CHS" altLang="en-US" smtClean="0"/>
               <a:t>单击此处编辑母版文本样式</a:t>
             </a:r>
           </a:p>
           <a:p>
             <a:pPr lvl="1"/>
             <a:r>
-              <a:rPr lang="zh-Hans" altLang="en-US" smtClean="0"/>
+              <a:rPr lang="zh-CHS" altLang="en-US" smtClean="0"/>
               <a:t>第二级</a:t>
             </a:r>
           </a:p>
           <a:p>
             <a:pPr lvl="2"/>
             <a:r>
-              <a:rPr lang="zh-Hans" altLang="en-US" smtClean="0"/>
+              <a:rPr lang="zh-CHS" altLang="en-US" smtClean="0"/>
               <a:t>第三级</a:t>
             </a:r>
           </a:p>
           <a:p>
             <a:pPr lvl="3"/>
             <a:r>
-              <a:rPr lang="zh-Hans" altLang="en-US" smtClean="0"/>
+              <a:rPr lang="zh-CHS" altLang="en-US" smtClean="0"/>
               <a:t>第四级</a:t>
             </a:r>
           </a:p>
           <a:p>
             <a:pPr lvl="4"/>
             <a:r>
-              <a:rPr lang="zh-Hans" altLang="en-US" smtClean="0"/>
+              <a:rPr lang="zh-CHS" altLang="en-US" smtClean="0"/>
               <a:t>第五级</a:t>
             </a:r>
             <a:endParaRPr lang="en-US" dirty="0"/>
@@ -1154,7 +1154,7 @@
           <a:p>
             <a:pPr lvl="0"/>
             <a:r>
-              <a:rPr lang="zh-Hans" altLang="en-US" smtClean="0"/>
+              <a:rPr lang="zh-CHS" altLang="en-US" smtClean="0"/>
               <a:t>单击此处编辑母版文本样式</a:t>
             </a:r>
           </a:p>
@@ -1289,7 +1289,7 @@
           </a:ln>
           <a:extLst>
             <a:ext uri="{909E8E84-426E-40dd-AFC4-6F175D3DCCD1}">
-              <a14:hiddenFill xmlns="" xmlns:a14="http://schemas.microsoft.com/office/drawing/2010/main">
+              <a14:hiddenFill xmlns:a14="http://schemas.microsoft.com/office/drawing/2010/main" xmlns="">
                 <a:noFill/>
               </a14:hiddenFill>
             </a:ext>
@@ -1338,14 +1338,14 @@
           </a:ln>
           <a:extLst>
             <a:ext uri="{909E8E84-426E-40dd-AFC4-6F175D3DCCD1}">
-              <a14:hiddenFill xmlns="" xmlns:a14="http://schemas.microsoft.com/office/drawing/2010/main">
+              <a14:hiddenFill xmlns:a14="http://schemas.microsoft.com/office/drawing/2010/main" xmlns="">
                 <a:solidFill>
                   <a:srgbClr val="FFFFFF"/>
                 </a:solidFill>
               </a14:hiddenFill>
             </a:ext>
             <a:ext uri="{91240B29-F687-4f45-9708-019B960494DF}">
-              <a14:hiddenLine xmlns="" xmlns:a14="http://schemas.microsoft.com/office/drawing/2010/main" w="9525">
+              <a14:hiddenLine xmlns:a14="http://schemas.microsoft.com/office/drawing/2010/main" xmlns="" w="9525">
                 <a:solidFill>
                   <a:srgbClr val="000000"/>
                 </a:solidFill>
@@ -1384,7 +1384,7 @@
           </a:lstStyle>
           <a:p>
             <a:r>
-              <a:rPr lang="zh-Hans" altLang="en-US" smtClean="0"/>
+              <a:rPr lang="zh-CHS" altLang="en-US" smtClean="0"/>
               <a:t>单击此处编辑母版标题样式</a:t>
             </a:r>
             <a:endParaRPr lang="en-US" dirty="0"/>
@@ -1479,35 +1479,35 @@
           <a:p>
             <a:pPr lvl="0"/>
             <a:r>
-              <a:rPr lang="zh-Hans" altLang="en-US" smtClean="0"/>
+              <a:rPr lang="zh-CHS" altLang="en-US" smtClean="0"/>
               <a:t>单击此处编辑母版文本样式</a:t>
             </a:r>
           </a:p>
           <a:p>
             <a:pPr lvl="1"/>
             <a:r>
-              <a:rPr lang="zh-Hans" altLang="en-US" smtClean="0"/>
+              <a:rPr lang="zh-CHS" altLang="en-US" smtClean="0"/>
               <a:t>第二级</a:t>
             </a:r>
           </a:p>
           <a:p>
             <a:pPr lvl="2"/>
             <a:r>
-              <a:rPr lang="zh-Hans" altLang="en-US" smtClean="0"/>
+              <a:rPr lang="zh-CHS" altLang="en-US" smtClean="0"/>
               <a:t>第三级</a:t>
             </a:r>
           </a:p>
           <a:p>
             <a:pPr lvl="3"/>
             <a:r>
-              <a:rPr lang="zh-Hans" altLang="en-US" smtClean="0"/>
+              <a:rPr lang="zh-CHS" altLang="en-US" smtClean="0"/>
               <a:t>第四级</a:t>
             </a:r>
           </a:p>
           <a:p>
             <a:pPr lvl="4"/>
             <a:r>
-              <a:rPr lang="zh-Hans" altLang="en-US" smtClean="0"/>
+              <a:rPr lang="zh-CHS" altLang="en-US" smtClean="0"/>
               <a:t>第五级</a:t>
             </a:r>
             <a:endParaRPr lang="en-US" dirty="0"/>
@@ -1572,7 +1572,7 @@
           </a:ln>
           <a:extLst>
             <a:ext uri="{909E8E84-426E-40dd-AFC4-6F175D3DCCD1}">
-              <a14:hiddenFill xmlns="" xmlns:a14="http://schemas.microsoft.com/office/drawing/2010/main">
+              <a14:hiddenFill xmlns:a14="http://schemas.microsoft.com/office/drawing/2010/main" xmlns="">
                 <a:noFill/>
               </a14:hiddenFill>
             </a:ext>
@@ -1616,7 +1616,7 @@
           </a:ln>
           <a:extLst>
             <a:ext uri="{909E8E84-426E-40dd-AFC4-6F175D3DCCD1}">
-              <a14:hiddenFill xmlns="" xmlns:a14="http://schemas.microsoft.com/office/drawing/2010/main">
+              <a14:hiddenFill xmlns:a14="http://schemas.microsoft.com/office/drawing/2010/main" xmlns="">
                 <a:noFill/>
               </a14:hiddenFill>
             </a:ext>
@@ -1665,14 +1665,14 @@
           </a:ln>
           <a:extLst>
             <a:ext uri="{909E8E84-426E-40dd-AFC4-6F175D3DCCD1}">
-              <a14:hiddenFill xmlns="" xmlns:a14="http://schemas.microsoft.com/office/drawing/2010/main">
+              <a14:hiddenFill xmlns:a14="http://schemas.microsoft.com/office/drawing/2010/main" xmlns="">
                 <a:solidFill>
                   <a:srgbClr val="FFFFFF"/>
                 </a:solidFill>
               </a14:hiddenFill>
             </a:ext>
             <a:ext uri="{91240B29-F687-4f45-9708-019B960494DF}">
-              <a14:hiddenLine xmlns="" xmlns:a14="http://schemas.microsoft.com/office/drawing/2010/main" w="9525">
+              <a14:hiddenLine xmlns:a14="http://schemas.microsoft.com/office/drawing/2010/main" xmlns="" w="9525">
                 <a:solidFill>
                   <a:srgbClr val="000000"/>
                 </a:solidFill>
@@ -1946,7 +1946,7 @@
           </a:ln>
           <a:extLst>
             <a:ext uri="{909E8E84-426E-40dd-AFC4-6F175D3DCCD1}">
-              <a14:hiddenFill xmlns="" xmlns:a14="http://schemas.microsoft.com/office/drawing/2010/main">
+              <a14:hiddenFill xmlns:a14="http://schemas.microsoft.com/office/drawing/2010/main" xmlns="">
                 <a:noFill/>
               </a14:hiddenFill>
             </a:ext>
@@ -2151,7 +2151,7 @@
           </a:ln>
           <a:extLst>
             <a:ext uri="{909E8E84-426E-40dd-AFC4-6F175D3DCCD1}">
-              <a14:hiddenFill xmlns="" xmlns:a14="http://schemas.microsoft.com/office/drawing/2010/main">
+              <a14:hiddenFill xmlns:a14="http://schemas.microsoft.com/office/drawing/2010/main" xmlns="">
                 <a:noFill/>
               </a14:hiddenFill>
             </a:ext>
@@ -2361,7 +2361,7 @@
           </a:ln>
           <a:extLst>
             <a:ext uri="{909E8E84-426E-40dd-AFC4-6F175D3DCCD1}">
-              <a14:hiddenFill xmlns="" xmlns:a14="http://schemas.microsoft.com/office/drawing/2010/main">
+              <a14:hiddenFill xmlns:a14="http://schemas.microsoft.com/office/drawing/2010/main" xmlns="">
                 <a:noFill/>
               </a14:hiddenFill>
             </a:ext>
@@ -2612,7 +2612,7 @@
           </a:ln>
           <a:extLst>
             <a:ext uri="{909E8E84-426E-40dd-AFC4-6F175D3DCCD1}">
-              <a14:hiddenFill xmlns="" xmlns:a14="http://schemas.microsoft.com/office/drawing/2010/main">
+              <a14:hiddenFill xmlns:a14="http://schemas.microsoft.com/office/drawing/2010/main" xmlns="">
                 <a:noFill/>
               </a14:hiddenFill>
             </a:ext>
@@ -2661,14 +2661,14 @@
           </a:ln>
           <a:extLst>
             <a:ext uri="{909E8E84-426E-40dd-AFC4-6F175D3DCCD1}">
-              <a14:hiddenFill xmlns="" xmlns:a14="http://schemas.microsoft.com/office/drawing/2010/main">
+              <a14:hiddenFill xmlns:a14="http://schemas.microsoft.com/office/drawing/2010/main" xmlns="">
                 <a:solidFill>
                   <a:srgbClr val="FFFFFF"/>
                 </a:solidFill>
               </a14:hiddenFill>
             </a:ext>
             <a:ext uri="{91240B29-F687-4f45-9708-019B960494DF}">
-              <a14:hiddenLine xmlns="" xmlns:a14="http://schemas.microsoft.com/office/drawing/2010/main" w="9525">
+              <a14:hiddenLine xmlns:a14="http://schemas.microsoft.com/office/drawing/2010/main" xmlns="" w="9525">
                 <a:solidFill>
                   <a:srgbClr val="000000"/>
                 </a:solidFill>
@@ -2930,7 +2930,7 @@
           </a:ln>
           <a:extLst>
             <a:ext uri="{909E8E84-426E-40dd-AFC4-6F175D3DCCD1}">
-              <a14:hiddenFill xmlns="" xmlns:a14="http://schemas.microsoft.com/office/drawing/2010/main">
+              <a14:hiddenFill xmlns:a14="http://schemas.microsoft.com/office/drawing/2010/main" xmlns="">
                 <a:noFill/>
               </a14:hiddenFill>
             </a:ext>
@@ -2979,14 +2979,14 @@
           </a:ln>
           <a:extLst>
             <a:ext uri="{909E8E84-426E-40dd-AFC4-6F175D3DCCD1}">
-              <a14:hiddenFill xmlns="" xmlns:a14="http://schemas.microsoft.com/office/drawing/2010/main">
+              <a14:hiddenFill xmlns:a14="http://schemas.microsoft.com/office/drawing/2010/main" xmlns="">
                 <a:solidFill>
                   <a:srgbClr val="FFFFFF"/>
                 </a:solidFill>
               </a14:hiddenFill>
             </a:ext>
             <a:ext uri="{91240B29-F687-4f45-9708-019B960494DF}">
-              <a14:hiddenLine xmlns="" xmlns:a14="http://schemas.microsoft.com/office/drawing/2010/main" w="9525">
+              <a14:hiddenLine xmlns:a14="http://schemas.microsoft.com/office/drawing/2010/main" xmlns="" w="9525">
                 <a:solidFill>
                   <a:srgbClr val="000000"/>
                 </a:solidFill>
@@ -3631,7 +3631,7 @@
           </a:ln>
           <a:extLst>
             <a:ext uri="{909E8E84-426E-40dd-AFC4-6F175D3DCCD1}">
-              <a14:hiddenFill xmlns="" xmlns:a14="http://schemas.microsoft.com/office/drawing/2010/main">
+              <a14:hiddenFill xmlns:a14="http://schemas.microsoft.com/office/drawing/2010/main" xmlns="">
                 <a:noFill/>
               </a14:hiddenFill>
             </a:ext>
@@ -3661,7 +3661,7 @@
           <a:lstStyle/>
           <a:p>
             <a:r>
-              <a:rPr lang="zh-Hans" altLang="en-US" smtClean="0"/>
+              <a:rPr lang="zh-CHS" altLang="en-US" smtClean="0"/>
               <a:t>单击此处编辑母版标题样式</a:t>
             </a:r>
             <a:endParaRPr lang="en-US"/>
@@ -3698,35 +3698,35 @@
           <a:p>
             <a:pPr lvl="0"/>
             <a:r>
-              <a:rPr lang="zh-Hans" altLang="en-US" smtClean="0"/>
+              <a:rPr lang="zh-CHS" altLang="en-US" smtClean="0"/>
               <a:t>单击此处编辑母版文本样式</a:t>
             </a:r>
           </a:p>
           <a:p>
             <a:pPr lvl="1"/>
             <a:r>
-              <a:rPr lang="zh-Hans" altLang="en-US" smtClean="0"/>
+              <a:rPr lang="zh-CHS" altLang="en-US" smtClean="0"/>
               <a:t>第二级</a:t>
             </a:r>
           </a:p>
           <a:p>
             <a:pPr lvl="2"/>
             <a:r>
-              <a:rPr lang="zh-Hans" altLang="en-US" smtClean="0"/>
+              <a:rPr lang="zh-CHS" altLang="en-US" smtClean="0"/>
               <a:t>第三级</a:t>
             </a:r>
           </a:p>
           <a:p>
             <a:pPr lvl="3"/>
             <a:r>
-              <a:rPr lang="zh-Hans" altLang="en-US" smtClean="0"/>
+              <a:rPr lang="zh-CHS" altLang="en-US" smtClean="0"/>
               <a:t>第四级</a:t>
             </a:r>
           </a:p>
           <a:p>
             <a:pPr lvl="4"/>
             <a:r>
-              <a:rPr lang="zh-Hans" altLang="en-US" smtClean="0"/>
+              <a:rPr lang="zh-CHS" altLang="en-US" smtClean="0"/>
               <a:t>第五级</a:t>
             </a:r>
             <a:endParaRPr lang="en-US" dirty="0"/>
@@ -3824,7 +3824,7 @@
           </a:ln>
           <a:extLst>
             <a:ext uri="{909E8E84-426E-40dd-AFC4-6F175D3DCCD1}">
-              <a14:hiddenFill xmlns="" xmlns:a14="http://schemas.microsoft.com/office/drawing/2010/main">
+              <a14:hiddenFill xmlns:a14="http://schemas.microsoft.com/office/drawing/2010/main" xmlns="">
                 <a:noFill/>
               </a14:hiddenFill>
             </a:ext>
@@ -3865,7 +3865,7 @@
           </a:ln>
           <a:extLst>
             <a:ext uri="{909E8E84-426E-40dd-AFC4-6F175D3DCCD1}">
-              <a14:hiddenFill xmlns="" xmlns:a14="http://schemas.microsoft.com/office/drawing/2010/main">
+              <a14:hiddenFill xmlns:a14="http://schemas.microsoft.com/office/drawing/2010/main" xmlns="">
                 <a:noFill/>
               </a14:hiddenFill>
             </a:ext>
@@ -4076,7 +4076,7 @@
           </a:ln>
           <a:extLst>
             <a:ext uri="{909E8E84-426E-40dd-AFC4-6F175D3DCCD1}">
-              <a14:hiddenFill xmlns="" xmlns:a14="http://schemas.microsoft.com/office/drawing/2010/main">
+              <a14:hiddenFill xmlns:a14="http://schemas.microsoft.com/office/drawing/2010/main" xmlns="">
                 <a:noFill/>
               </a14:hiddenFill>
             </a:ext>
@@ -4125,14 +4125,14 @@
           </a:ln>
           <a:extLst>
             <a:ext uri="{909E8E84-426E-40dd-AFC4-6F175D3DCCD1}">
-              <a14:hiddenFill xmlns="" xmlns:a14="http://schemas.microsoft.com/office/drawing/2010/main">
+              <a14:hiddenFill xmlns:a14="http://schemas.microsoft.com/office/drawing/2010/main" xmlns="">
                 <a:solidFill>
                   <a:srgbClr val="FFFFFF"/>
                 </a:solidFill>
               </a14:hiddenFill>
             </a:ext>
             <a:ext uri="{91240B29-F687-4f45-9708-019B960494DF}">
-              <a14:hiddenLine xmlns="" xmlns:a14="http://schemas.microsoft.com/office/drawing/2010/main" w="9525">
+              <a14:hiddenLine xmlns:a14="http://schemas.microsoft.com/office/drawing/2010/main" xmlns="" w="9525">
                 <a:solidFill>
                   <a:srgbClr val="000000"/>
                 </a:solidFill>
@@ -4363,7 +4363,7 @@
           </a:ln>
           <a:extLst>
             <a:ext uri="{909E8E84-426E-40dd-AFC4-6F175D3DCCD1}">
-              <a14:hiddenFill xmlns="" xmlns:a14="http://schemas.microsoft.com/office/drawing/2010/main">
+              <a14:hiddenFill xmlns:a14="http://schemas.microsoft.com/office/drawing/2010/main" xmlns="">
                 <a:noFill/>
               </a14:hiddenFill>
             </a:ext>
@@ -4407,7 +4407,7 @@
           </a:ln>
           <a:extLst>
             <a:ext uri="{909E8E84-426E-40dd-AFC4-6F175D3DCCD1}">
-              <a14:hiddenFill xmlns="" xmlns:a14="http://schemas.microsoft.com/office/drawing/2010/main">
+              <a14:hiddenFill xmlns:a14="http://schemas.microsoft.com/office/drawing/2010/main" xmlns="">
                 <a:noFill/>
               </a14:hiddenFill>
             </a:ext>
@@ -4456,14 +4456,14 @@
           </a:ln>
           <a:extLst>
             <a:ext uri="{909E8E84-426E-40dd-AFC4-6F175D3DCCD1}">
-              <a14:hiddenFill xmlns="" xmlns:a14="http://schemas.microsoft.com/office/drawing/2010/main">
+              <a14:hiddenFill xmlns:a14="http://schemas.microsoft.com/office/drawing/2010/main" xmlns="">
                 <a:solidFill>
                   <a:srgbClr val="FFFFFF"/>
                 </a:solidFill>
               </a14:hiddenFill>
             </a:ext>
             <a:ext uri="{91240B29-F687-4f45-9708-019B960494DF}">
-              <a14:hiddenLine xmlns="" xmlns:a14="http://schemas.microsoft.com/office/drawing/2010/main" w="9525">
+              <a14:hiddenLine xmlns:a14="http://schemas.microsoft.com/office/drawing/2010/main" xmlns="" w="9525">
                 <a:solidFill>
                   <a:srgbClr val="000000"/>
                 </a:solidFill>
@@ -4737,7 +4737,7 @@
           </a:ln>
           <a:extLst>
             <a:ext uri="{909E8E84-426E-40dd-AFC4-6F175D3DCCD1}">
-              <a14:hiddenFill xmlns="" xmlns:a14="http://schemas.microsoft.com/office/drawing/2010/main">
+              <a14:hiddenFill xmlns:a14="http://schemas.microsoft.com/office/drawing/2010/main" xmlns="">
                 <a:noFill/>
               </a14:hiddenFill>
             </a:ext>
@@ -4951,7 +4951,7 @@
           </a:ln>
           <a:extLst>
             <a:ext uri="{909E8E84-426E-40dd-AFC4-6F175D3DCCD1}">
-              <a14:hiddenFill xmlns="" xmlns:a14="http://schemas.microsoft.com/office/drawing/2010/main">
+              <a14:hiddenFill xmlns:a14="http://schemas.microsoft.com/office/drawing/2010/main" xmlns="">
                 <a:noFill/>
               </a14:hiddenFill>
             </a:ext>
@@ -5170,7 +5170,7 @@
           </a:ln>
           <a:extLst>
             <a:ext uri="{909E8E84-426E-40dd-AFC4-6F175D3DCCD1}">
-              <a14:hiddenFill xmlns="" xmlns:a14="http://schemas.microsoft.com/office/drawing/2010/main">
+              <a14:hiddenFill xmlns:a14="http://schemas.microsoft.com/office/drawing/2010/main" xmlns="">
                 <a:noFill/>
               </a14:hiddenFill>
             </a:ext>
@@ -5421,7 +5421,7 @@
           </a:ln>
           <a:extLst>
             <a:ext uri="{909E8E84-426E-40dd-AFC4-6F175D3DCCD1}">
-              <a14:hiddenFill xmlns="" xmlns:a14="http://schemas.microsoft.com/office/drawing/2010/main">
+              <a14:hiddenFill xmlns:a14="http://schemas.microsoft.com/office/drawing/2010/main" xmlns="">
                 <a:noFill/>
               </a14:hiddenFill>
             </a:ext>
@@ -5470,14 +5470,14 @@
           </a:ln>
           <a:extLst>
             <a:ext uri="{909E8E84-426E-40dd-AFC4-6F175D3DCCD1}">
-              <a14:hiddenFill xmlns="" xmlns:a14="http://schemas.microsoft.com/office/drawing/2010/main">
+              <a14:hiddenFill xmlns:a14="http://schemas.microsoft.com/office/drawing/2010/main" xmlns="">
                 <a:solidFill>
                   <a:srgbClr val="FFFFFF"/>
                 </a:solidFill>
               </a14:hiddenFill>
             </a:ext>
             <a:ext uri="{91240B29-F687-4f45-9708-019B960494DF}">
-              <a14:hiddenLine xmlns="" xmlns:a14="http://schemas.microsoft.com/office/drawing/2010/main" w="9525">
+              <a14:hiddenLine xmlns:a14="http://schemas.microsoft.com/office/drawing/2010/main" xmlns="" w="9525">
                 <a:solidFill>
                   <a:srgbClr val="000000"/>
                 </a:solidFill>
@@ -5739,7 +5739,7 @@
           </a:ln>
           <a:extLst>
             <a:ext uri="{909E8E84-426E-40dd-AFC4-6F175D3DCCD1}">
-              <a14:hiddenFill xmlns="" xmlns:a14="http://schemas.microsoft.com/office/drawing/2010/main">
+              <a14:hiddenFill xmlns:a14="http://schemas.microsoft.com/office/drawing/2010/main" xmlns="">
                 <a:noFill/>
               </a14:hiddenFill>
             </a:ext>
@@ -5788,14 +5788,14 @@
           </a:ln>
           <a:extLst>
             <a:ext uri="{909E8E84-426E-40dd-AFC4-6F175D3DCCD1}">
-              <a14:hiddenFill xmlns="" xmlns:a14="http://schemas.microsoft.com/office/drawing/2010/main">
+              <a14:hiddenFill xmlns:a14="http://schemas.microsoft.com/office/drawing/2010/main" xmlns="">
                 <a:solidFill>
                   <a:srgbClr val="FFFFFF"/>
                 </a:solidFill>
               </a14:hiddenFill>
             </a:ext>
             <a:ext uri="{91240B29-F687-4f45-9708-019B960494DF}">
-              <a14:hiddenLine xmlns="" xmlns:a14="http://schemas.microsoft.com/office/drawing/2010/main" w="9525">
+              <a14:hiddenLine xmlns:a14="http://schemas.microsoft.com/office/drawing/2010/main" xmlns="" w="9525">
                 <a:solidFill>
                   <a:srgbClr val="000000"/>
                 </a:solidFill>
@@ -6265,7 +6265,7 @@
           </a:ln>
           <a:extLst>
             <a:ext uri="{909E8E84-426E-40dd-AFC4-6F175D3DCCD1}">
-              <a14:hiddenFill xmlns="" xmlns:a14="http://schemas.microsoft.com/office/drawing/2010/main">
+              <a14:hiddenFill xmlns:a14="http://schemas.microsoft.com/office/drawing/2010/main" xmlns="">
                 <a:noFill/>
               </a14:hiddenFill>
             </a:ext>
@@ -6295,7 +6295,7 @@
           <a:lstStyle/>
           <a:p>
             <a:r>
-              <a:rPr lang="zh-Hans" altLang="en-US" smtClean="0"/>
+              <a:rPr lang="zh-CHS" altLang="en-US" smtClean="0"/>
               <a:t>单击此处编辑母版标题样式</a:t>
             </a:r>
             <a:endParaRPr lang="en-US"/>
@@ -6337,35 +6337,35 @@
           <a:p>
             <a:pPr lvl="0"/>
             <a:r>
-              <a:rPr lang="zh-Hans" altLang="en-US" smtClean="0"/>
+              <a:rPr lang="zh-CHS" altLang="en-US" smtClean="0"/>
               <a:t>单击此处编辑母版文本样式</a:t>
             </a:r>
           </a:p>
           <a:p>
             <a:pPr lvl="1"/>
             <a:r>
-              <a:rPr lang="zh-Hans" altLang="en-US" smtClean="0"/>
+              <a:rPr lang="zh-CHS" altLang="en-US" smtClean="0"/>
               <a:t>第二级</a:t>
             </a:r>
           </a:p>
           <a:p>
             <a:pPr lvl="2"/>
             <a:r>
-              <a:rPr lang="zh-Hans" altLang="en-US" smtClean="0"/>
+              <a:rPr lang="zh-CHS" altLang="en-US" smtClean="0"/>
               <a:t>第三级</a:t>
             </a:r>
           </a:p>
           <a:p>
             <a:pPr lvl="3"/>
             <a:r>
-              <a:rPr lang="zh-Hans" altLang="en-US" smtClean="0"/>
+              <a:rPr lang="zh-CHS" altLang="en-US" smtClean="0"/>
               <a:t>第四级</a:t>
             </a:r>
           </a:p>
           <a:p>
             <a:pPr lvl="4"/>
             <a:r>
-              <a:rPr lang="zh-Hans" altLang="en-US" smtClean="0"/>
+              <a:rPr lang="zh-CHS" altLang="en-US" smtClean="0"/>
               <a:t>第五级</a:t>
             </a:r>
             <a:endParaRPr lang="en-US" dirty="0"/>
@@ -6644,7 +6644,7 @@
           </a:ln>
           <a:extLst>
             <a:ext uri="{909E8E84-426E-40dd-AFC4-6F175D3DCCD1}">
-              <a14:hiddenFill xmlns="" xmlns:a14="http://schemas.microsoft.com/office/drawing/2010/main">
+              <a14:hiddenFill xmlns:a14="http://schemas.microsoft.com/office/drawing/2010/main" xmlns="">
                 <a:noFill/>
               </a14:hiddenFill>
             </a:ext>
@@ -6685,7 +6685,7 @@
           </a:ln>
           <a:extLst>
             <a:ext uri="{909E8E84-426E-40dd-AFC4-6F175D3DCCD1}">
-              <a14:hiddenFill xmlns="" xmlns:a14="http://schemas.microsoft.com/office/drawing/2010/main">
+              <a14:hiddenFill xmlns:a14="http://schemas.microsoft.com/office/drawing/2010/main" xmlns="">
                 <a:noFill/>
               </a14:hiddenFill>
             </a:ext>
@@ -6896,7 +6896,7 @@
           </a:ln>
           <a:extLst>
             <a:ext uri="{909E8E84-426E-40dd-AFC4-6F175D3DCCD1}">
-              <a14:hiddenFill xmlns="" xmlns:a14="http://schemas.microsoft.com/office/drawing/2010/main">
+              <a14:hiddenFill xmlns:a14="http://schemas.microsoft.com/office/drawing/2010/main" xmlns="">
                 <a:noFill/>
               </a14:hiddenFill>
             </a:ext>
@@ -6945,14 +6945,14 @@
           </a:ln>
           <a:extLst>
             <a:ext uri="{909E8E84-426E-40dd-AFC4-6F175D3DCCD1}">
-              <a14:hiddenFill xmlns="" xmlns:a14="http://schemas.microsoft.com/office/drawing/2010/main">
+              <a14:hiddenFill xmlns:a14="http://schemas.microsoft.com/office/drawing/2010/main" xmlns="">
                 <a:solidFill>
                   <a:srgbClr val="FFFFFF"/>
                 </a:solidFill>
               </a14:hiddenFill>
             </a:ext>
             <a:ext uri="{91240B29-F687-4f45-9708-019B960494DF}">
-              <a14:hiddenLine xmlns="" xmlns:a14="http://schemas.microsoft.com/office/drawing/2010/main" w="9525">
+              <a14:hiddenLine xmlns:a14="http://schemas.microsoft.com/office/drawing/2010/main" xmlns="" w="9525">
                 <a:solidFill>
                   <a:srgbClr val="000000"/>
                 </a:solidFill>
@@ -7183,7 +7183,7 @@
           </a:ln>
           <a:extLst>
             <a:ext uri="{909E8E84-426E-40dd-AFC4-6F175D3DCCD1}">
-              <a14:hiddenFill xmlns="" xmlns:a14="http://schemas.microsoft.com/office/drawing/2010/main">
+              <a14:hiddenFill xmlns:a14="http://schemas.microsoft.com/office/drawing/2010/main" xmlns="">
                 <a:noFill/>
               </a14:hiddenFill>
             </a:ext>
@@ -7213,7 +7213,7 @@
           <a:lstStyle/>
           <a:p>
             <a:r>
-              <a:rPr lang="zh-Hans" altLang="en-US" smtClean="0"/>
+              <a:rPr lang="zh-CHS" altLang="en-US" smtClean="0"/>
               <a:t>单击此处编辑母版标题样式</a:t>
             </a:r>
             <a:endParaRPr lang="en-US"/>
@@ -7308,35 +7308,35 @@
           <a:p>
             <a:pPr lvl="0"/>
             <a:r>
-              <a:rPr lang="zh-Hans" altLang="en-US" smtClean="0"/>
+              <a:rPr lang="zh-CHS" altLang="en-US" smtClean="0"/>
               <a:t>单击此处编辑母版文本样式</a:t>
             </a:r>
           </a:p>
           <a:p>
             <a:pPr lvl="1"/>
             <a:r>
-              <a:rPr lang="zh-Hans" altLang="en-US" smtClean="0"/>
+              <a:rPr lang="zh-CHS" altLang="en-US" smtClean="0"/>
               <a:t>第二级</a:t>
             </a:r>
           </a:p>
           <a:p>
             <a:pPr lvl="2"/>
             <a:r>
-              <a:rPr lang="zh-Hans" altLang="en-US" smtClean="0"/>
+              <a:rPr lang="zh-CHS" altLang="en-US" smtClean="0"/>
               <a:t>第三级</a:t>
             </a:r>
           </a:p>
           <a:p>
             <a:pPr lvl="3"/>
             <a:r>
-              <a:rPr lang="zh-Hans" altLang="en-US" smtClean="0"/>
+              <a:rPr lang="zh-CHS" altLang="en-US" smtClean="0"/>
               <a:t>第四级</a:t>
             </a:r>
           </a:p>
           <a:p>
             <a:pPr lvl="4"/>
             <a:r>
-              <a:rPr lang="zh-Hans" altLang="en-US" smtClean="0"/>
+              <a:rPr lang="zh-CHS" altLang="en-US" smtClean="0"/>
               <a:t>第五级</a:t>
             </a:r>
             <a:endParaRPr lang="en-US" dirty="0"/>
@@ -7434,7 +7434,7 @@
           </a:ln>
           <a:extLst>
             <a:ext uri="{909E8E84-426E-40dd-AFC4-6F175D3DCCD1}">
-              <a14:hiddenFill xmlns="" xmlns:a14="http://schemas.microsoft.com/office/drawing/2010/main">
+              <a14:hiddenFill xmlns:a14="http://schemas.microsoft.com/office/drawing/2010/main" xmlns="">
                 <a:noFill/>
               </a14:hiddenFill>
             </a:ext>
@@ -7483,14 +7483,14 @@
           </a:ln>
           <a:extLst>
             <a:ext uri="{909E8E84-426E-40dd-AFC4-6F175D3DCCD1}">
-              <a14:hiddenFill xmlns="" xmlns:a14="http://schemas.microsoft.com/office/drawing/2010/main">
+              <a14:hiddenFill xmlns:a14="http://schemas.microsoft.com/office/drawing/2010/main" xmlns="">
                 <a:solidFill>
                   <a:srgbClr val="FFFFFF"/>
                 </a:solidFill>
               </a14:hiddenFill>
             </a:ext>
             <a:ext uri="{91240B29-F687-4f45-9708-019B960494DF}">
-              <a14:hiddenLine xmlns="" xmlns:a14="http://schemas.microsoft.com/office/drawing/2010/main" w="9525">
+              <a14:hiddenLine xmlns:a14="http://schemas.microsoft.com/office/drawing/2010/main" xmlns="" w="9525">
                 <a:solidFill>
                   <a:srgbClr val="000000"/>
                 </a:solidFill>
@@ -7541,7 +7541,7 @@
           </a:lstStyle>
           <a:p>
             <a:r>
-              <a:rPr lang="zh-Hans" altLang="en-US" noProof="0" smtClean="0">
+              <a:rPr lang="zh-CHS" altLang="en-US" noProof="0" smtClean="0">
                 <a:sym typeface="Open Sans Extrabold" charset="0"/>
               </a:rPr>
               <a:t>单击此处编辑母版标题样式</a:t>
@@ -7618,35 +7618,35 @@
           <a:p>
             <a:pPr lvl="0"/>
             <a:r>
-              <a:rPr lang="zh-Hans" altLang="en-US" smtClean="0"/>
+              <a:rPr lang="zh-CHS" altLang="en-US" smtClean="0"/>
               <a:t>单击此处编辑母版文本样式</a:t>
             </a:r>
           </a:p>
           <a:p>
             <a:pPr lvl="1"/>
             <a:r>
-              <a:rPr lang="zh-Hans" altLang="en-US" smtClean="0"/>
+              <a:rPr lang="zh-CHS" altLang="en-US" smtClean="0"/>
               <a:t>第二级</a:t>
             </a:r>
           </a:p>
           <a:p>
             <a:pPr lvl="2"/>
             <a:r>
-              <a:rPr lang="zh-Hans" altLang="en-US" smtClean="0"/>
+              <a:rPr lang="zh-CHS" altLang="en-US" smtClean="0"/>
               <a:t>第三级</a:t>
             </a:r>
           </a:p>
           <a:p>
             <a:pPr lvl="3"/>
             <a:r>
-              <a:rPr lang="zh-Hans" altLang="en-US" smtClean="0"/>
+              <a:rPr lang="zh-CHS" altLang="en-US" smtClean="0"/>
               <a:t>第四级</a:t>
             </a:r>
           </a:p>
           <a:p>
             <a:pPr lvl="4"/>
             <a:r>
-              <a:rPr lang="zh-Hans" altLang="en-US" smtClean="0"/>
+              <a:rPr lang="zh-CHS" altLang="en-US" smtClean="0"/>
               <a:t>第五级</a:t>
             </a:r>
             <a:endParaRPr lang="en-US" dirty="0"/>
@@ -7752,7 +7752,7 @@
           </a:ln>
           <a:extLst>
             <a:ext uri="{909E8E84-426E-40dd-AFC4-6F175D3DCCD1}">
-              <a14:hiddenFill xmlns="" xmlns:a14="http://schemas.microsoft.com/office/drawing/2010/main">
+              <a14:hiddenFill xmlns:a14="http://schemas.microsoft.com/office/drawing/2010/main" xmlns="">
                 <a:noFill/>
               </a14:hiddenFill>
             </a:ext>
@@ -7801,14 +7801,14 @@
           </a:ln>
           <a:extLst>
             <a:ext uri="{909E8E84-426E-40dd-AFC4-6F175D3DCCD1}">
-              <a14:hiddenFill xmlns="" xmlns:a14="http://schemas.microsoft.com/office/drawing/2010/main">
+              <a14:hiddenFill xmlns:a14="http://schemas.microsoft.com/office/drawing/2010/main" xmlns="">
                 <a:solidFill>
                   <a:srgbClr val="FFFFFF"/>
                 </a:solidFill>
               </a14:hiddenFill>
             </a:ext>
             <a:ext uri="{91240B29-F687-4f45-9708-019B960494DF}">
-              <a14:hiddenLine xmlns="" xmlns:a14="http://schemas.microsoft.com/office/drawing/2010/main" w="9525">
+              <a14:hiddenLine xmlns:a14="http://schemas.microsoft.com/office/drawing/2010/main" xmlns="" w="9525">
                 <a:solidFill>
                   <a:srgbClr val="000000"/>
                 </a:solidFill>
@@ -7863,7 +7863,7 @@
           </a:lstStyle>
           <a:p>
             <a:r>
-              <a:rPr lang="zh-Hans" altLang="en-US" noProof="0" smtClean="0">
+              <a:rPr lang="zh-CHS" altLang="en-US" noProof="0" smtClean="0">
                 <a:sym typeface="Open Sans Extrabold" charset="0"/>
               </a:rPr>
               <a:t>单击此处编辑母版标题样式</a:t>
@@ -7955,35 +7955,35 @@
           <a:p>
             <a:pPr lvl="0"/>
             <a:r>
-              <a:rPr lang="zh-Hans" altLang="en-US" smtClean="0"/>
+              <a:rPr lang="zh-CHS" altLang="en-US" smtClean="0"/>
               <a:t>单击此处编辑母版文本样式</a:t>
             </a:r>
           </a:p>
           <a:p>
             <a:pPr lvl="1"/>
             <a:r>
-              <a:rPr lang="zh-Hans" altLang="en-US" smtClean="0"/>
+              <a:rPr lang="zh-CHS" altLang="en-US" smtClean="0"/>
               <a:t>第二级</a:t>
             </a:r>
           </a:p>
           <a:p>
             <a:pPr lvl="2"/>
             <a:r>
-              <a:rPr lang="zh-Hans" altLang="en-US" smtClean="0"/>
+              <a:rPr lang="zh-CHS" altLang="en-US" smtClean="0"/>
               <a:t>第三级</a:t>
             </a:r>
           </a:p>
           <a:p>
             <a:pPr lvl="3"/>
             <a:r>
-              <a:rPr lang="zh-Hans" altLang="en-US" smtClean="0"/>
+              <a:rPr lang="zh-CHS" altLang="en-US" smtClean="0"/>
               <a:t>第四级</a:t>
             </a:r>
           </a:p>
           <a:p>
             <a:pPr lvl="4"/>
             <a:r>
-              <a:rPr lang="zh-Hans" altLang="en-US" smtClean="0"/>
+              <a:rPr lang="zh-CHS" altLang="en-US" smtClean="0"/>
               <a:t>第五级</a:t>
             </a:r>
             <a:endParaRPr lang="en-US" dirty="0"/>
@@ -8075,7 +8075,7 @@
           <a:lstStyle/>
           <a:p>
             <a:r>
-              <a:rPr lang="zh-Hans" altLang="en-US" smtClean="0"/>
+              <a:rPr lang="zh-CHS" altLang="en-US" smtClean="0"/>
               <a:t>单击此处编辑母版标题样式</a:t>
             </a:r>
             <a:endParaRPr lang="en-US" dirty="0"/>
@@ -8135,35 +8135,35 @@
           <a:p>
             <a:pPr lvl="0"/>
             <a:r>
-              <a:rPr lang="zh-Hans" altLang="en-US" smtClean="0"/>
+              <a:rPr lang="zh-CHS" altLang="en-US" smtClean="0"/>
               <a:t>单击此处编辑母版文本样式</a:t>
             </a:r>
           </a:p>
           <a:p>
             <a:pPr lvl="1"/>
             <a:r>
-              <a:rPr lang="zh-Hans" altLang="en-US" smtClean="0"/>
+              <a:rPr lang="zh-CHS" altLang="en-US" smtClean="0"/>
               <a:t>第二级</a:t>
             </a:r>
           </a:p>
           <a:p>
             <a:pPr lvl="2"/>
             <a:r>
-              <a:rPr lang="zh-Hans" altLang="en-US" smtClean="0"/>
+              <a:rPr lang="zh-CHS" altLang="en-US" smtClean="0"/>
               <a:t>第三级</a:t>
             </a:r>
           </a:p>
           <a:p>
             <a:pPr lvl="3"/>
             <a:r>
-              <a:rPr lang="zh-Hans" altLang="en-US" smtClean="0"/>
+              <a:rPr lang="zh-CHS" altLang="en-US" smtClean="0"/>
               <a:t>第四级</a:t>
             </a:r>
           </a:p>
           <a:p>
             <a:pPr lvl="4"/>
             <a:r>
-              <a:rPr lang="zh-Hans" altLang="en-US" smtClean="0"/>
+              <a:rPr lang="zh-CHS" altLang="en-US" smtClean="0"/>
               <a:t>第五级</a:t>
             </a:r>
             <a:endParaRPr lang="en-US" dirty="0"/>
@@ -8316,35 +8316,35 @@
           <a:p>
             <a:pPr lvl="0"/>
             <a:r>
-              <a:rPr lang="zh-Hans" altLang="en-US" smtClean="0"/>
+              <a:rPr lang="zh-CHS" altLang="en-US" smtClean="0"/>
               <a:t>单击此处编辑母版文本样式</a:t>
             </a:r>
           </a:p>
           <a:p>
             <a:pPr lvl="1"/>
             <a:r>
-              <a:rPr lang="zh-Hans" altLang="en-US" smtClean="0"/>
+              <a:rPr lang="zh-CHS" altLang="en-US" smtClean="0"/>
               <a:t>第二级</a:t>
             </a:r>
           </a:p>
           <a:p>
             <a:pPr lvl="2"/>
             <a:r>
-              <a:rPr lang="zh-Hans" altLang="en-US" smtClean="0"/>
+              <a:rPr lang="zh-CHS" altLang="en-US" smtClean="0"/>
               <a:t>第三级</a:t>
             </a:r>
           </a:p>
           <a:p>
             <a:pPr lvl="3"/>
             <a:r>
-              <a:rPr lang="zh-Hans" altLang="en-US" smtClean="0"/>
+              <a:rPr lang="zh-CHS" altLang="en-US" smtClean="0"/>
               <a:t>第四级</a:t>
             </a:r>
           </a:p>
           <a:p>
             <a:pPr lvl="4"/>
             <a:r>
-              <a:rPr lang="zh-Hans" altLang="en-US" smtClean="0"/>
+              <a:rPr lang="zh-CHS" altLang="en-US" smtClean="0"/>
               <a:t>第五级</a:t>
             </a:r>
             <a:endParaRPr lang="en-US" dirty="0"/>
@@ -8444,7 +8444,7 @@
           </a:ln>
           <a:extLst>
             <a:ext uri="{909E8E84-426E-40dd-AFC4-6F175D3DCCD1}">
-              <a14:hiddenFill xmlns="" xmlns:a14="http://schemas.microsoft.com/office/drawing/2010/main">
+              <a14:hiddenFill xmlns:a14="http://schemas.microsoft.com/office/drawing/2010/main" xmlns="">
                 <a:noFill/>
               </a14:hiddenFill>
             </a:ext>
@@ -8485,7 +8485,7 @@
           </a:ln>
           <a:extLst>
             <a:ext uri="{909E8E84-426E-40dd-AFC4-6F175D3DCCD1}">
-              <a14:hiddenFill xmlns="" xmlns:a14="http://schemas.microsoft.com/office/drawing/2010/main">
+              <a14:hiddenFill xmlns:a14="http://schemas.microsoft.com/office/drawing/2010/main" xmlns="">
                 <a:noFill/>
               </a14:hiddenFill>
             </a:ext>
@@ -8524,7 +8524,7 @@
           </a:lstStyle>
           <a:p>
             <a:r>
-              <a:rPr lang="zh-Hans" altLang="en-US" smtClean="0"/>
+              <a:rPr lang="zh-CHS" altLang="en-US" smtClean="0"/>
               <a:t>单击此处编辑母版标题样式</a:t>
             </a:r>
             <a:endParaRPr lang="en-US" dirty="0"/>
@@ -8628,17 +8628,17 @@
           <a:effectLst/>
           <a:extLst>
             <a:ext uri="{FAA26D3D-D897-4be2-8F04-BA451C77F1D7}">
-              <ma14:placeholderFlag xmlns:ma14="http://schemas.microsoft.com/office/mac/drawingml/2011/main" xmlns="" val="1"/>
+              <ma14:placeholderFlag xmlns:ma14="http://schemas.microsoft.com/office/mac/drawingml/2011/main" val="1"/>
             </a:ext>
             <a:ext uri="{909E8E84-426E-40dd-AFC4-6F175D3DCCD1}">
-              <a14:hiddenFill xmlns="" xmlns:a14="http://schemas.microsoft.com/office/drawing/2010/main">
+              <a14:hiddenFill xmlns:a14="http://schemas.microsoft.com/office/drawing/2010/main" xmlns="">
                 <a:solidFill>
                   <a:srgbClr val="FFFFFF"/>
                 </a:solidFill>
               </a14:hiddenFill>
             </a:ext>
             <a:ext uri="{91240B29-F687-4f45-9708-019B960494DF}">
-              <a14:hiddenLine xmlns="" xmlns:a14="http://schemas.microsoft.com/office/drawing/2010/main" w="12700">
+              <a14:hiddenLine xmlns:a14="http://schemas.microsoft.com/office/drawing/2010/main" xmlns="" w="12700">
                 <a:solidFill>
                   <a:schemeClr val="tx1"/>
                 </a:solidFill>
@@ -8648,7 +8648,7 @@
               </a14:hiddenLine>
             </a:ext>
             <a:ext uri="{AF507438-7753-43e0-B8FC-AC1667EBCBE1}">
-              <a14:hiddenEffects xmlns="" xmlns:a14="http://schemas.microsoft.com/office/drawing/2010/main">
+              <a14:hiddenEffects xmlns:a14="http://schemas.microsoft.com/office/drawing/2010/main" xmlns="">
                 <a:effectLst>
                   <a:outerShdw blurRad="63500" dist="38099" dir="2700000" algn="ctr" rotWithShape="0">
                     <a:srgbClr val="000000">
@@ -8670,7 +8670,7 @@
           <a:p>
             <a:pPr lvl="0"/>
             <a:r>
-              <a:rPr lang="zh-Hans" altLang="en-US" smtClean="0">
+              <a:rPr lang="zh-CHS" altLang="en-US" smtClean="0">
                 <a:sym typeface="Open Sans Extrabold" charset="0"/>
               </a:rPr>
               <a:t>单击此处编辑母版标题样式</a:t>
@@ -8706,17 +8706,17 @@
           <a:effectLst/>
           <a:extLst>
             <a:ext uri="{FAA26D3D-D897-4be2-8F04-BA451C77F1D7}">
-              <ma14:placeholderFlag xmlns:ma14="http://schemas.microsoft.com/office/mac/drawingml/2011/main" xmlns="" val="1"/>
+              <ma14:placeholderFlag xmlns:ma14="http://schemas.microsoft.com/office/mac/drawingml/2011/main" val="1"/>
             </a:ext>
             <a:ext uri="{909E8E84-426E-40dd-AFC4-6F175D3DCCD1}">
-              <a14:hiddenFill xmlns="" xmlns:a14="http://schemas.microsoft.com/office/drawing/2010/main">
+              <a14:hiddenFill xmlns:a14="http://schemas.microsoft.com/office/drawing/2010/main" xmlns="">
                 <a:solidFill>
                   <a:srgbClr val="FFFFFF"/>
                 </a:solidFill>
               </a14:hiddenFill>
             </a:ext>
             <a:ext uri="{91240B29-F687-4f45-9708-019B960494DF}">
-              <a14:hiddenLine xmlns="" xmlns:a14="http://schemas.microsoft.com/office/drawing/2010/main" w="12700">
+              <a14:hiddenLine xmlns:a14="http://schemas.microsoft.com/office/drawing/2010/main" xmlns="" w="12700">
                 <a:solidFill>
                   <a:schemeClr val="tx1"/>
                 </a:solidFill>
@@ -8726,7 +8726,7 @@
               </a14:hiddenLine>
             </a:ext>
             <a:ext uri="{AF507438-7753-43e0-B8FC-AC1667EBCBE1}">
-              <a14:hiddenEffects xmlns="" xmlns:a14="http://schemas.microsoft.com/office/drawing/2010/main">
+              <a14:hiddenEffects xmlns:a14="http://schemas.microsoft.com/office/drawing/2010/main" xmlns="">
                 <a:effectLst>
                   <a:outerShdw blurRad="63500" dist="38099" dir="2700000" algn="ctr" rotWithShape="0">
                     <a:srgbClr val="000000">
@@ -8748,7 +8748,7 @@
           <a:p>
             <a:pPr lvl="0"/>
             <a:r>
-              <a:rPr lang="zh-Hans" altLang="en-US" smtClean="0">
+              <a:rPr lang="zh-CHS" altLang="en-US" smtClean="0">
                 <a:sym typeface="Open Sans Light" charset="0"/>
               </a:rPr>
               <a:t>单击此处编辑母版文本样式</a:t>
@@ -8757,7 +8757,7 @@
           <a:p>
             <a:pPr lvl="1"/>
             <a:r>
-              <a:rPr lang="zh-Hans" altLang="en-US" smtClean="0">
+              <a:rPr lang="zh-CHS" altLang="en-US" smtClean="0">
                 <a:sym typeface="Open Sans Light" charset="0"/>
               </a:rPr>
               <a:t>第二级</a:t>
@@ -8766,7 +8766,7 @@
           <a:p>
             <a:pPr lvl="2"/>
             <a:r>
-              <a:rPr lang="zh-Hans" altLang="en-US" smtClean="0">
+              <a:rPr lang="zh-CHS" altLang="en-US" smtClean="0">
                 <a:sym typeface="Open Sans Light" charset="0"/>
               </a:rPr>
               <a:t>第三级</a:t>
@@ -8775,7 +8775,7 @@
           <a:p>
             <a:pPr lvl="3"/>
             <a:r>
-              <a:rPr lang="zh-Hans" altLang="en-US" smtClean="0">
+              <a:rPr lang="zh-CHS" altLang="en-US" smtClean="0">
                 <a:sym typeface="Open Sans Light" charset="0"/>
               </a:rPr>
               <a:t>第四级</a:t>
@@ -8784,7 +8784,7 @@
           <a:p>
             <a:pPr lvl="4"/>
             <a:r>
-              <a:rPr lang="zh-Hans" altLang="en-US" smtClean="0">
+              <a:rPr lang="zh-CHS" altLang="en-US" smtClean="0">
                 <a:sym typeface="Open Sans Light" charset="0"/>
               </a:rPr>
               <a:t>第五级</a:t>
@@ -8820,14 +8820,14 @@
           <a:effectLst/>
           <a:extLst>
             <a:ext uri="{909E8E84-426E-40dd-AFC4-6F175D3DCCD1}">
-              <a14:hiddenFill xmlns="" xmlns:a14="http://schemas.microsoft.com/office/drawing/2010/main">
+              <a14:hiddenFill xmlns:a14="http://schemas.microsoft.com/office/drawing/2010/main" xmlns="">
                 <a:solidFill>
                   <a:srgbClr val="FFFFFF"/>
                 </a:solidFill>
               </a14:hiddenFill>
             </a:ext>
             <a:ext uri="{91240B29-F687-4f45-9708-019B960494DF}">
-              <a14:hiddenLine xmlns="" xmlns:a14="http://schemas.microsoft.com/office/drawing/2010/main" w="12700">
+              <a14:hiddenLine xmlns:a14="http://schemas.microsoft.com/office/drawing/2010/main" xmlns="" w="12700">
                 <a:solidFill>
                   <a:schemeClr val="tx1"/>
                 </a:solidFill>
@@ -8837,7 +8837,7 @@
               </a14:hiddenLine>
             </a:ext>
             <a:ext uri="{AF507438-7753-43e0-B8FC-AC1667EBCBE1}">
-              <a14:hiddenEffects xmlns="" xmlns:a14="http://schemas.microsoft.com/office/drawing/2010/main">
+              <a14:hiddenEffects xmlns:a14="http://schemas.microsoft.com/office/drawing/2010/main" xmlns="">
                 <a:effectLst>
                   <a:outerShdw blurRad="63500" dist="38099" dir="2700000" algn="ctr" rotWithShape="0">
                     <a:srgbClr val="000000">
@@ -9523,17 +9523,17 @@
           <a:effectLst/>
           <a:extLst>
             <a:ext uri="{FAA26D3D-D897-4be2-8F04-BA451C77F1D7}">
-              <ma14:placeholderFlag xmlns:ma14="http://schemas.microsoft.com/office/mac/drawingml/2011/main" xmlns="" val="1"/>
+              <ma14:placeholderFlag xmlns:ma14="http://schemas.microsoft.com/office/mac/drawingml/2011/main" val="1"/>
             </a:ext>
             <a:ext uri="{909E8E84-426E-40dd-AFC4-6F175D3DCCD1}">
-              <a14:hiddenFill xmlns="" xmlns:a14="http://schemas.microsoft.com/office/drawing/2010/main">
+              <a14:hiddenFill xmlns:a14="http://schemas.microsoft.com/office/drawing/2010/main" xmlns="">
                 <a:solidFill>
                   <a:srgbClr val="FFFFFF"/>
                 </a:solidFill>
               </a14:hiddenFill>
             </a:ext>
             <a:ext uri="{91240B29-F687-4f45-9708-019B960494DF}">
-              <a14:hiddenLine xmlns="" xmlns:a14="http://schemas.microsoft.com/office/drawing/2010/main" w="12700">
+              <a14:hiddenLine xmlns:a14="http://schemas.microsoft.com/office/drawing/2010/main" xmlns="" w="12700">
                 <a:solidFill>
                   <a:schemeClr val="tx1"/>
                 </a:solidFill>
@@ -9543,7 +9543,7 @@
               </a14:hiddenLine>
             </a:ext>
             <a:ext uri="{AF507438-7753-43e0-B8FC-AC1667EBCBE1}">
-              <a14:hiddenEffects xmlns="" xmlns:a14="http://schemas.microsoft.com/office/drawing/2010/main">
+              <a14:hiddenEffects xmlns:a14="http://schemas.microsoft.com/office/drawing/2010/main" xmlns="">
                 <a:effectLst>
                   <a:outerShdw blurRad="63500" dist="38099" dir="2700000" algn="ctr" rotWithShape="0">
                     <a:srgbClr val="000000">
@@ -9598,17 +9598,17 @@
           <a:effectLst/>
           <a:extLst>
             <a:ext uri="{FAA26D3D-D897-4be2-8F04-BA451C77F1D7}">
-              <ma14:placeholderFlag xmlns:ma14="http://schemas.microsoft.com/office/mac/drawingml/2011/main" xmlns="" val="1"/>
+              <ma14:placeholderFlag xmlns:ma14="http://schemas.microsoft.com/office/mac/drawingml/2011/main" val="1"/>
             </a:ext>
             <a:ext uri="{909E8E84-426E-40dd-AFC4-6F175D3DCCD1}">
-              <a14:hiddenFill xmlns="" xmlns:a14="http://schemas.microsoft.com/office/drawing/2010/main">
+              <a14:hiddenFill xmlns:a14="http://schemas.microsoft.com/office/drawing/2010/main" xmlns="">
                 <a:solidFill>
                   <a:srgbClr val="FFFFFF"/>
                 </a:solidFill>
               </a14:hiddenFill>
             </a:ext>
             <a:ext uri="{91240B29-F687-4f45-9708-019B960494DF}">
-              <a14:hiddenLine xmlns="" xmlns:a14="http://schemas.microsoft.com/office/drawing/2010/main" w="12700">
+              <a14:hiddenLine xmlns:a14="http://schemas.microsoft.com/office/drawing/2010/main" xmlns="" w="12700">
                 <a:solidFill>
                   <a:schemeClr val="tx1"/>
                 </a:solidFill>
@@ -9618,7 +9618,7 @@
               </a14:hiddenLine>
             </a:ext>
             <a:ext uri="{AF507438-7753-43e0-B8FC-AC1667EBCBE1}">
-              <a14:hiddenEffects xmlns="" xmlns:a14="http://schemas.microsoft.com/office/drawing/2010/main">
+              <a14:hiddenEffects xmlns:a14="http://schemas.microsoft.com/office/drawing/2010/main" xmlns="">
                 <a:effectLst>
                   <a:outerShdw blurRad="63500" dist="38099" dir="2700000" algn="ctr" rotWithShape="0">
                     <a:srgbClr val="000000">
@@ -9709,14 +9709,14 @@
           <a:effectLst/>
           <a:extLst>
             <a:ext uri="{909E8E84-426E-40dd-AFC4-6F175D3DCCD1}">
-              <a14:hiddenFill xmlns="" xmlns:a14="http://schemas.microsoft.com/office/drawing/2010/main">
+              <a14:hiddenFill xmlns:a14="http://schemas.microsoft.com/office/drawing/2010/main" xmlns="">
                 <a:solidFill>
                   <a:srgbClr val="FFFFFF"/>
                 </a:solidFill>
               </a14:hiddenFill>
             </a:ext>
             <a:ext uri="{91240B29-F687-4f45-9708-019B960494DF}">
-              <a14:hiddenLine xmlns="" xmlns:a14="http://schemas.microsoft.com/office/drawing/2010/main" w="12700">
+              <a14:hiddenLine xmlns:a14="http://schemas.microsoft.com/office/drawing/2010/main" xmlns="" w="12700">
                 <a:solidFill>
                   <a:schemeClr val="tx1"/>
                 </a:solidFill>
@@ -9726,7 +9726,7 @@
               </a14:hiddenLine>
             </a:ext>
             <a:ext uri="{AF507438-7753-43e0-B8FC-AC1667EBCBE1}">
-              <a14:hiddenEffects xmlns="" xmlns:a14="http://schemas.microsoft.com/office/drawing/2010/main">
+              <a14:hiddenEffects xmlns:a14="http://schemas.microsoft.com/office/drawing/2010/main" xmlns="">
                 <a:effectLst>
                   <a:outerShdw blurRad="63500" dist="38099" dir="2700000" algn="ctr" rotWithShape="0">
                     <a:srgbClr val="000000">
@@ -10421,17 +10421,17 @@
           <a:effectLst/>
           <a:extLst>
             <a:ext uri="{FAA26D3D-D897-4be2-8F04-BA451C77F1D7}">
-              <ma14:placeholderFlag xmlns:ma14="http://schemas.microsoft.com/office/mac/drawingml/2011/main" xmlns="" val="1"/>
+              <ma14:placeholderFlag xmlns:ma14="http://schemas.microsoft.com/office/mac/drawingml/2011/main" val="1"/>
             </a:ext>
             <a:ext uri="{909E8E84-426E-40dd-AFC4-6F175D3DCCD1}">
-              <a14:hiddenFill xmlns="" xmlns:a14="http://schemas.microsoft.com/office/drawing/2010/main">
+              <a14:hiddenFill xmlns:a14="http://schemas.microsoft.com/office/drawing/2010/main" xmlns="">
                 <a:solidFill>
                   <a:srgbClr val="FFFFFF"/>
                 </a:solidFill>
               </a14:hiddenFill>
             </a:ext>
             <a:ext uri="{91240B29-F687-4f45-9708-019B960494DF}">
-              <a14:hiddenLine xmlns="" xmlns:a14="http://schemas.microsoft.com/office/drawing/2010/main" w="12700">
+              <a14:hiddenLine xmlns:a14="http://schemas.microsoft.com/office/drawing/2010/main" xmlns="" w="12700">
                 <a:solidFill>
                   <a:schemeClr val="tx1"/>
                 </a:solidFill>
@@ -10441,7 +10441,7 @@
               </a14:hiddenLine>
             </a:ext>
             <a:ext uri="{AF507438-7753-43e0-B8FC-AC1667EBCBE1}">
-              <a14:hiddenEffects xmlns="" xmlns:a14="http://schemas.microsoft.com/office/drawing/2010/main">
+              <a14:hiddenEffects xmlns:a14="http://schemas.microsoft.com/office/drawing/2010/main" xmlns="">
                 <a:effectLst>
                   <a:outerShdw blurRad="63500" dist="38099" dir="2700000" algn="ctr" rotWithShape="0">
                     <a:srgbClr val="000000">
@@ -10496,17 +10496,17 @@
           <a:effectLst/>
           <a:extLst>
             <a:ext uri="{FAA26D3D-D897-4be2-8F04-BA451C77F1D7}">
-              <ma14:placeholderFlag xmlns:ma14="http://schemas.microsoft.com/office/mac/drawingml/2011/main" xmlns="" val="1"/>
+              <ma14:placeholderFlag xmlns:ma14="http://schemas.microsoft.com/office/mac/drawingml/2011/main" val="1"/>
             </a:ext>
             <a:ext uri="{909E8E84-426E-40dd-AFC4-6F175D3DCCD1}">
-              <a14:hiddenFill xmlns="" xmlns:a14="http://schemas.microsoft.com/office/drawing/2010/main">
+              <a14:hiddenFill xmlns:a14="http://schemas.microsoft.com/office/drawing/2010/main" xmlns="">
                 <a:solidFill>
                   <a:srgbClr val="FFFFFF"/>
                 </a:solidFill>
               </a14:hiddenFill>
             </a:ext>
             <a:ext uri="{91240B29-F687-4f45-9708-019B960494DF}">
-              <a14:hiddenLine xmlns="" xmlns:a14="http://schemas.microsoft.com/office/drawing/2010/main" w="12700">
+              <a14:hiddenLine xmlns:a14="http://schemas.microsoft.com/office/drawing/2010/main" xmlns="" w="12700">
                 <a:solidFill>
                   <a:schemeClr val="tx1"/>
                 </a:solidFill>
@@ -10516,7 +10516,7 @@
               </a14:hiddenLine>
             </a:ext>
             <a:ext uri="{AF507438-7753-43e0-B8FC-AC1667EBCBE1}">
-              <a14:hiddenEffects xmlns="" xmlns:a14="http://schemas.microsoft.com/office/drawing/2010/main">
+              <a14:hiddenEffects xmlns:a14="http://schemas.microsoft.com/office/drawing/2010/main" xmlns="">
                 <a:effectLst>
                   <a:outerShdw blurRad="63500" dist="38099" dir="2700000" algn="ctr" rotWithShape="0">
                     <a:srgbClr val="000000">
@@ -10607,14 +10607,14 @@
           <a:effectLst/>
           <a:extLst>
             <a:ext uri="{909E8E84-426E-40dd-AFC4-6F175D3DCCD1}">
-              <a14:hiddenFill xmlns="" xmlns:a14="http://schemas.microsoft.com/office/drawing/2010/main">
+              <a14:hiddenFill xmlns:a14="http://schemas.microsoft.com/office/drawing/2010/main" xmlns="">
                 <a:solidFill>
                   <a:srgbClr val="FFFFFF"/>
                 </a:solidFill>
               </a14:hiddenFill>
             </a:ext>
             <a:ext uri="{91240B29-F687-4f45-9708-019B960494DF}">
-              <a14:hiddenLine xmlns="" xmlns:a14="http://schemas.microsoft.com/office/drawing/2010/main" w="12700">
+              <a14:hiddenLine xmlns:a14="http://schemas.microsoft.com/office/drawing/2010/main" xmlns="" w="12700">
                 <a:solidFill>
                   <a:schemeClr val="tx1"/>
                 </a:solidFill>
@@ -10624,7 +10624,7 @@
               </a14:hiddenLine>
             </a:ext>
             <a:ext uri="{AF507438-7753-43e0-B8FC-AC1667EBCBE1}">
-              <a14:hiddenEffects xmlns="" xmlns:a14="http://schemas.microsoft.com/office/drawing/2010/main">
+              <a14:hiddenEffects xmlns:a14="http://schemas.microsoft.com/office/drawing/2010/main" xmlns="">
                 <a:effectLst>
                   <a:outerShdw blurRad="63500" dist="38099" dir="2700000" algn="ctr" rotWithShape="0">
                     <a:srgbClr val="000000">
@@ -11313,10 +11313,6 @@
               </a:rPr>
               <a:t>Advanced Mocking</a:t>
             </a:r>
-            <a:endParaRPr lang="en-US" sz="9600" cap="none" dirty="0" smtClean="0">
-              <a:latin typeface="微软雅黑" panose="020B0503020204020204" pitchFamily="34" charset="-122"/>
-              <a:ea typeface="微软雅黑" panose="020B0503020204020204" pitchFamily="34" charset="-122"/>
-            </a:endParaRPr>
           </a:p>
         </p:txBody>
       </p:sp>
@@ -11433,13 +11429,13 @@
           <a:p>
             <a:pPr algn="ctr"/>
             <a:r>
-              <a:rPr lang="en-US" altLang="zh-Hans" sz="4800" dirty="0" smtClean="0">
+              <a:rPr lang="en-US" altLang="zh-CHS" sz="4800" dirty="0" smtClean="0">
                 <a:latin typeface="微软雅黑" panose="020B0503020204020204" pitchFamily="34" charset="-122"/>
                 <a:ea typeface="微软雅黑" panose="020B0503020204020204" pitchFamily="34" charset="-122"/>
               </a:rPr>
               <a:t>EXERCISE</a:t>
             </a:r>
-            <a:endParaRPr lang="zh-Hans" altLang="en-US" sz="4800" dirty="0">
+            <a:endParaRPr lang="zh-CHS" altLang="en-US" sz="4800" dirty="0">
               <a:latin typeface="微软雅黑" panose="020B0503020204020204" pitchFamily="34" charset="-122"/>
               <a:ea typeface="微软雅黑" panose="020B0503020204020204" pitchFamily="34" charset="-122"/>
             </a:endParaRPr>
@@ -11469,7 +11465,7 @@
                 <a:schemeClr val="tx2"/>
               </a:buClr>
             </a:pPr>
-            <a:endParaRPr lang="zh-Hans" altLang="en-US" sz="2200" dirty="0" smtClean="0">
+            <a:endParaRPr lang="zh-CHS" altLang="en-US" sz="2200" dirty="0" smtClean="0">
               <a:latin typeface="微软雅黑" panose="020B0503020204020204" pitchFamily="34" charset="-122"/>
               <a:ea typeface="微软雅黑" panose="020B0503020204020204" pitchFamily="34" charset="-122"/>
               <a:cs typeface="Microsoft YaHei" charset="0"/>
@@ -11490,27 +11486,27 @@
               <a:buChar char=""/>
             </a:pPr>
             <a:r>
-              <a:rPr lang="zh-Hans" altLang="en-US" sz="3600" dirty="0">
+              <a:rPr lang="zh-CHS" altLang="en-US" sz="3600" dirty="0">
                 <a:latin typeface="微软雅黑" panose="020B0503020204020204" pitchFamily="34" charset="-122"/>
                 <a:ea typeface="微软雅黑" panose="020B0503020204020204" pitchFamily="34" charset="-122"/>
               </a:rPr>
               <a:t>从原始</a:t>
             </a:r>
             <a:r>
-              <a:rPr lang="en-US" altLang="zh-Hans" sz="3600" dirty="0">
+              <a:rPr lang="en-US" altLang="zh-CHS" sz="3600" dirty="0">
                 <a:latin typeface="微软雅黑" panose="020B0503020204020204" pitchFamily="34" charset="-122"/>
                 <a:ea typeface="微软雅黑" panose="020B0503020204020204" pitchFamily="34" charset="-122"/>
               </a:rPr>
               <a:t>Repo</a:t>
             </a:r>
             <a:r>
-              <a:rPr lang="zh-Hans" altLang="en-US" sz="3600" dirty="0">
+              <a:rPr lang="zh-CHS" altLang="en-US" sz="3600" dirty="0">
                 <a:latin typeface="微软雅黑" panose="020B0503020204020204" pitchFamily="34" charset="-122"/>
                 <a:ea typeface="微软雅黑" panose="020B0503020204020204" pitchFamily="34" charset="-122"/>
               </a:rPr>
               <a:t>上更新代码</a:t>
             </a:r>
-            <a:endParaRPr lang="en-US" altLang="zh-Hans" sz="3600" dirty="0">
+            <a:endParaRPr lang="en-US" altLang="zh-CHS" sz="3600" dirty="0">
               <a:latin typeface="微软雅黑" panose="020B0503020204020204" pitchFamily="34" charset="-122"/>
               <a:ea typeface="微软雅黑" panose="020B0503020204020204" pitchFamily="34" charset="-122"/>
             </a:endParaRPr>
@@ -11527,7 +11523,7 @@
               <a:buChar char=""/>
             </a:pPr>
             <a:r>
-              <a:rPr lang="en-US" altLang="zh-CN" sz="2800" dirty="0" err="1">
+              <a:rPr lang="en-US" altLang="zh-CHS" sz="2800" dirty="0" err="1">
                 <a:latin typeface="微软雅黑" panose="020B0503020204020204" pitchFamily="34" charset="-122"/>
                 <a:ea typeface="微软雅黑" panose="020B0503020204020204" pitchFamily="34" charset="-122"/>
                 <a:cs typeface="Open Sans" charset="0"/>
@@ -11535,22 +11531,14 @@
               <a:t>git</a:t>
             </a:r>
             <a:r>
-              <a:rPr lang="en-US" altLang="zh-CN" sz="2800" dirty="0">
+              <a:rPr lang="en-US" altLang="zh-CHS" sz="2800" dirty="0">
                 <a:latin typeface="微软雅黑" panose="020B0503020204020204" pitchFamily="34" charset="-122"/>
                 <a:ea typeface="微软雅黑" panose="020B0503020204020204" pitchFamily="34" charset="-122"/>
                 <a:cs typeface="Open Sans" charset="0"/>
               </a:rPr>
-              <a:t> remote add source https://github.com/coney/cpp-unit-testing.git</a:t>
-            </a:r>
-            <a:r>
-              <a:rPr lang="en-US" altLang="zh-Hans" sz="2800" dirty="0">
-                <a:latin typeface="微软雅黑" panose="020B0503020204020204" pitchFamily="34" charset="-122"/>
-                <a:ea typeface="微软雅黑" panose="020B0503020204020204" pitchFamily="34" charset="-122"/>
-                <a:cs typeface="Open Sans" charset="0"/>
-              </a:rPr>
-              <a:t> </a:t>
-            </a:r>
-            <a:endParaRPr lang="en-US" altLang="zh-Hans" sz="1000" dirty="0">
+              <a:t> remote add source https://github.com/coney/cpp-unit-testing.git </a:t>
+            </a:r>
+            <a:endParaRPr lang="en-US" altLang="zh-CHS" sz="1000" dirty="0">
               <a:latin typeface="微软雅黑" panose="020B0503020204020204" pitchFamily="34" charset="-122"/>
               <a:ea typeface="微软雅黑" panose="020B0503020204020204" pitchFamily="34" charset="-122"/>
               <a:cs typeface="Open Sans" charset="0"/>
@@ -11568,7 +11556,7 @@
               <a:buChar char=""/>
             </a:pPr>
             <a:r>
-              <a:rPr lang="en-US" altLang="zh-Hans" sz="2800" dirty="0" err="1">
+              <a:rPr lang="en-US" altLang="zh-CHS" sz="2800" dirty="0" err="1">
                 <a:latin typeface="微软雅黑" panose="020B0503020204020204" pitchFamily="34" charset="-122"/>
                 <a:ea typeface="微软雅黑" panose="020B0503020204020204" pitchFamily="34" charset="-122"/>
                 <a:cs typeface="Open Sans" charset="0"/>
@@ -11576,7 +11564,7 @@
               <a:t>git</a:t>
             </a:r>
             <a:r>
-              <a:rPr lang="en-US" altLang="zh-Hans" sz="2800" dirty="0">
+              <a:rPr lang="en-US" altLang="zh-CHS" sz="2800" dirty="0">
                 <a:latin typeface="微软雅黑" panose="020B0503020204020204" pitchFamily="34" charset="-122"/>
                 <a:ea typeface="微软雅黑" panose="020B0503020204020204" pitchFamily="34" charset="-122"/>
                 <a:cs typeface="Open Sans" charset="0"/>
@@ -11584,14 +11572,14 @@
               <a:t> pull source </a:t>
             </a:r>
             <a:r>
-              <a:rPr lang="en-US" altLang="zh-Hans" sz="2800" dirty="0" smtClean="0">
+              <a:rPr lang="en-US" altLang="zh-CHS" sz="2800" dirty="0" smtClean="0">
                 <a:latin typeface="微软雅黑" panose="020B0503020204020204" pitchFamily="34" charset="-122"/>
                 <a:ea typeface="微软雅黑" panose="020B0503020204020204" pitchFamily="34" charset="-122"/>
                 <a:cs typeface="Open Sans" charset="0"/>
               </a:rPr>
               <a:t>master</a:t>
             </a:r>
-            <a:endParaRPr lang="en-US" altLang="zh-CN" sz="3600" dirty="0" smtClean="0">
+            <a:endParaRPr lang="en-US" altLang="zh-CHS" sz="3600" dirty="0" smtClean="0">
               <a:latin typeface="微软雅黑" panose="020B0503020204020204" pitchFamily="34" charset="-122"/>
               <a:ea typeface="微软雅黑" panose="020B0503020204020204" pitchFamily="34" charset="-122"/>
               <a:cs typeface="Microsoft YaHei" charset="0"/>
@@ -11608,7 +11596,7 @@
               <a:buFont typeface="Wingdings" charset="2"/>
               <a:buChar char=""/>
             </a:pPr>
-            <a:endParaRPr lang="en-US" altLang="zh-CN" sz="2200" dirty="0" smtClean="0">
+            <a:endParaRPr lang="en-US" altLang="zh-CHS" sz="2200" dirty="0" smtClean="0">
               <a:latin typeface="微软雅黑" panose="020B0503020204020204" pitchFamily="34" charset="-122"/>
               <a:ea typeface="微软雅黑" panose="020B0503020204020204" pitchFamily="34" charset="-122"/>
               <a:cs typeface="Microsoft YaHei" charset="0"/>
@@ -11629,7 +11617,7 @@
               <a:buChar char=""/>
             </a:pPr>
             <a:r>
-              <a:rPr lang="en-US" altLang="zh-CN" sz="3600" dirty="0" smtClean="0">
+              <a:rPr lang="en-US" altLang="zh-CHS" sz="3600" dirty="0" smtClean="0">
                 <a:latin typeface="微软雅黑" panose="020B0503020204020204" pitchFamily="34" charset="-122"/>
                 <a:ea typeface="微软雅黑" panose="020B0503020204020204" pitchFamily="34" charset="-122"/>
                 <a:cs typeface="Microsoft YaHei" charset="0"/>
@@ -11653,7 +11641,7 @@
               <a:t>, </a:t>
             </a:r>
             <a:r>
-              <a:rPr lang="zh-CN" altLang="en-US" sz="3600" dirty="0" smtClean="0">
+              <a:rPr lang="zh-CHS" altLang="en-US" sz="3600" dirty="0" smtClean="0">
                 <a:latin typeface="微软雅黑" panose="020B0503020204020204" pitchFamily="34" charset="-122"/>
                 <a:ea typeface="微软雅黑" panose="020B0503020204020204" pitchFamily="34" charset="-122"/>
                 <a:cs typeface="Microsoft YaHei" charset="0"/>
@@ -11669,7 +11657,7 @@
               <a:t>Librarian::recommend()</a:t>
             </a:r>
             <a:r>
-              <a:rPr lang="zh-CN" altLang="en-US" sz="3600" dirty="0">
+              <a:rPr lang="zh-CHS" altLang="en-US" sz="3600" dirty="0">
                 <a:latin typeface="微软雅黑" panose="020B0503020204020204" pitchFamily="34" charset="-122"/>
                 <a:ea typeface="微软雅黑" panose="020B0503020204020204" pitchFamily="34" charset="-122"/>
                 <a:cs typeface="Microsoft YaHei" charset="0"/>
@@ -11677,7 +11665,7 @@
               <a:t>的</a:t>
             </a:r>
             <a:r>
-              <a:rPr lang="zh-CN" altLang="en-US" sz="3600" dirty="0" smtClean="0">
+              <a:rPr lang="zh-CHS" altLang="en-US" sz="3600" dirty="0" smtClean="0">
                 <a:latin typeface="微软雅黑" panose="020B0503020204020204" pitchFamily="34" charset="-122"/>
                 <a:ea typeface="微软雅黑" panose="020B0503020204020204" pitchFamily="34" charset="-122"/>
                 <a:cs typeface="Microsoft YaHei" charset="0"/>
@@ -11705,7 +11693,7 @@
               <a:buChar char=""/>
             </a:pPr>
             <a:r>
-              <a:rPr lang="en-US" altLang="zh-CN" sz="3600" dirty="0" smtClean="0">
+              <a:rPr lang="en-US" altLang="zh-CHS" sz="3600" dirty="0" smtClean="0">
                 <a:latin typeface="微软雅黑" panose="020B0503020204020204" pitchFamily="34" charset="-122"/>
                 <a:ea typeface="微软雅黑" panose="020B0503020204020204" pitchFamily="34" charset="-122"/>
                 <a:cs typeface="Microsoft YaHei" charset="0"/>
@@ -11713,7 +11701,7 @@
               <a:t>Mock </a:t>
             </a:r>
             <a:r>
-              <a:rPr lang="en-US" altLang="zh-Hans" sz="3600" dirty="0" err="1" smtClean="0">
+              <a:rPr lang="en-US" altLang="zh-CHS" sz="3600" dirty="0" err="1" smtClean="0">
                 <a:latin typeface="微软雅黑" panose="020B0503020204020204" pitchFamily="34" charset="-122"/>
                 <a:ea typeface="微软雅黑" panose="020B0503020204020204" pitchFamily="34" charset="-122"/>
                 <a:cs typeface="Microsoft YaHei" charset="0"/>
@@ -11721,7 +11709,7 @@
               <a:t>SearchEngine</a:t>
             </a:r>
             <a:r>
-              <a:rPr lang="en-US" altLang="zh-Hans" sz="3600" dirty="0" smtClean="0">
+              <a:rPr lang="en-US" altLang="zh-CHS" sz="3600" dirty="0" smtClean="0">
                 <a:latin typeface="微软雅黑" panose="020B0503020204020204" pitchFamily="34" charset="-122"/>
                 <a:ea typeface="微软雅黑" panose="020B0503020204020204" pitchFamily="34" charset="-122"/>
                 <a:cs typeface="Microsoft YaHei" charset="0"/>
@@ -11729,7 +11717,7 @@
               <a:t>::Search, </a:t>
             </a:r>
             <a:r>
-              <a:rPr lang="zh-Hans" altLang="en-US" sz="3600" dirty="0" smtClean="0">
+              <a:rPr lang="zh-CHS" altLang="en-US" sz="3600" dirty="0" smtClean="0">
                 <a:latin typeface="微软雅黑" panose="020B0503020204020204" pitchFamily="34" charset="-122"/>
                 <a:ea typeface="微软雅黑" panose="020B0503020204020204" pitchFamily="34" charset="-122"/>
                 <a:cs typeface="Microsoft YaHei" charset="0"/>
@@ -11737,7 +11725,7 @@
               <a:t>完善</a:t>
             </a:r>
             <a:r>
-              <a:rPr lang="en-US" altLang="zh-Hans" sz="3600" dirty="0" smtClean="0">
+              <a:rPr lang="en-US" altLang="zh-CHS" sz="3600" dirty="0" smtClean="0">
                 <a:latin typeface="微软雅黑" panose="020B0503020204020204" pitchFamily="34" charset="-122"/>
                 <a:ea typeface="微软雅黑" panose="020B0503020204020204" pitchFamily="34" charset="-122"/>
                 <a:cs typeface="Microsoft YaHei" charset="0"/>
@@ -11745,23 +11733,15 @@
               <a:t>Librarian::recommend()</a:t>
             </a:r>
             <a:r>
-              <a:rPr lang="zh-Hans" altLang="en-US" sz="3600" dirty="0" smtClean="0">
+              <a:rPr lang="zh-CHS" altLang="en-US" sz="3600" dirty="0" smtClean="0">
                 <a:latin typeface="微软雅黑" panose="020B0503020204020204" pitchFamily="34" charset="-122"/>
                 <a:ea typeface="微软雅黑" panose="020B0503020204020204" pitchFamily="34" charset="-122"/>
                 <a:cs typeface="Microsoft YaHei" charset="0"/>
               </a:rPr>
-              <a:t>的</a:t>
-            </a:r>
-            <a:r>
-              <a:rPr lang="zh-Hans" altLang="en-US" sz="3600" dirty="0" smtClean="0">
-                <a:latin typeface="微软雅黑" panose="020B0503020204020204" pitchFamily="34" charset="-122"/>
-                <a:ea typeface="微软雅黑" panose="020B0503020204020204" pitchFamily="34" charset="-122"/>
-                <a:cs typeface="Microsoft YaHei" charset="0"/>
-              </a:rPr>
-              <a:t>测试</a:t>
-            </a:r>
-            <a:r>
-              <a:rPr lang="en-US" altLang="zh-Hans" sz="3600" dirty="0" smtClean="0">
+              <a:t>的测试</a:t>
+            </a:r>
+            <a:r>
+              <a:rPr lang="en-US" altLang="zh-CHS" sz="3600" dirty="0" smtClean="0">
                 <a:latin typeface="微软雅黑" panose="020B0503020204020204" pitchFamily="34" charset="-122"/>
                 <a:ea typeface="微软雅黑" panose="020B0503020204020204" pitchFamily="34" charset="-122"/>
                 <a:cs typeface="Microsoft YaHei" charset="0"/>
@@ -11769,7 +11749,7 @@
               <a:t>(</a:t>
             </a:r>
             <a:r>
-              <a:rPr lang="zh-CN" altLang="en-US" sz="3600" dirty="0" smtClean="0">
+              <a:rPr lang="zh-CHS" altLang="en-US" sz="3600" dirty="0" smtClean="0">
                 <a:latin typeface="微软雅黑" panose="020B0503020204020204" pitchFamily="34" charset="-122"/>
                 <a:ea typeface="微软雅黑" panose="020B0503020204020204" pitchFamily="34" charset="-122"/>
                 <a:cs typeface="Microsoft YaHei" charset="0"/>
@@ -11777,22 +11757,14 @@
               <a:t>通过</a:t>
             </a:r>
             <a:r>
-              <a:rPr lang="en-US" altLang="zh-CN" sz="3600" dirty="0" smtClean="0">
+              <a:rPr lang="en-US" altLang="zh-CHS" sz="3600" dirty="0" smtClean="0">
                 <a:latin typeface="微软雅黑" panose="020B0503020204020204" pitchFamily="34" charset="-122"/>
                 <a:ea typeface="微软雅黑" panose="020B0503020204020204" pitchFamily="34" charset="-122"/>
                 <a:cs typeface="Microsoft YaHei" charset="0"/>
               </a:rPr>
-              <a:t>function &amp; bind</a:t>
-            </a:r>
-            <a:r>
-              <a:rPr lang="en-US" altLang="zh-Hans" sz="3600" dirty="0" smtClean="0">
-                <a:latin typeface="微软雅黑" panose="020B0503020204020204" pitchFamily="34" charset="-122"/>
-                <a:ea typeface="微软雅黑" panose="020B0503020204020204" pitchFamily="34" charset="-122"/>
-                <a:cs typeface="Microsoft YaHei" charset="0"/>
-              </a:rPr>
-              <a:t>)</a:t>
-            </a:r>
-            <a:endParaRPr lang="en-US" altLang="zh-Hans" sz="2200" dirty="0">
+              <a:t>function &amp; bind)</a:t>
+            </a:r>
+            <a:endParaRPr lang="en-US" altLang="zh-CHS" sz="2200" dirty="0">
               <a:latin typeface="微软雅黑" panose="020B0503020204020204" pitchFamily="34" charset="-122"/>
               <a:ea typeface="微软雅黑" panose="020B0503020204020204" pitchFamily="34" charset="-122"/>
               <a:cs typeface="Microsoft YaHei" charset="0"/>
@@ -11813,7 +11785,7 @@
               <a:buChar char=""/>
             </a:pPr>
             <a:r>
-              <a:rPr lang="zh-CN" altLang="en-US" sz="3600" dirty="0" smtClean="0">
+              <a:rPr lang="zh-CHS" altLang="en-US" sz="3600" dirty="0" smtClean="0">
                 <a:latin typeface="微软雅黑" panose="020B0503020204020204" pitchFamily="34" charset="-122"/>
                 <a:ea typeface="微软雅黑" panose="020B0503020204020204" pitchFamily="34" charset="-122"/>
                 <a:cs typeface="Microsoft YaHei" charset="0"/>
@@ -11821,23 +11793,15 @@
               <a:t>要求</a:t>
             </a:r>
             <a:r>
-              <a:rPr lang="en-US" altLang="zh-CN" sz="3600" dirty="0" smtClean="0">
+              <a:rPr lang="en-US" altLang="zh-CHS" sz="3600" dirty="0" smtClean="0">
                 <a:latin typeface="微软雅黑" panose="020B0503020204020204" pitchFamily="34" charset="-122"/>
                 <a:ea typeface="微软雅黑" panose="020B0503020204020204" pitchFamily="34" charset="-122"/>
                 <a:cs typeface="Microsoft YaHei" charset="0"/>
               </a:rPr>
-              <a:t>: </a:t>
-            </a:r>
-            <a:r>
-              <a:rPr lang="en-US" altLang="zh-Hans" sz="3600" dirty="0" smtClean="0">
-                <a:latin typeface="微软雅黑" panose="020B0503020204020204" pitchFamily="34" charset="-122"/>
-                <a:ea typeface="微软雅黑" panose="020B0503020204020204" pitchFamily="34" charset="-122"/>
-                <a:cs typeface="Microsoft YaHei" charset="0"/>
-              </a:rPr>
-              <a:t>Librarian</a:t>
-            </a:r>
-            <a:r>
-              <a:rPr lang="en-US" altLang="zh-Hans" sz="3600" dirty="0">
+              <a:t>: Librarian</a:t>
+            </a:r>
+            <a:r>
+              <a:rPr lang="en-US" altLang="zh-CHS" sz="3600" dirty="0">
                 <a:latin typeface="微软雅黑" panose="020B0503020204020204" pitchFamily="34" charset="-122"/>
                 <a:ea typeface="微软雅黑" panose="020B0503020204020204" pitchFamily="34" charset="-122"/>
                 <a:cs typeface="Microsoft YaHei" charset="0"/>
@@ -11845,7 +11809,7 @@
               <a:t>::recommend()</a:t>
             </a:r>
             <a:r>
-              <a:rPr lang="zh-Hans" altLang="en-US" sz="3600" dirty="0">
+              <a:rPr lang="zh-CHS" altLang="en-US" sz="3600" dirty="0">
                 <a:latin typeface="微软雅黑" panose="020B0503020204020204" pitchFamily="34" charset="-122"/>
                 <a:ea typeface="微软雅黑" panose="020B0503020204020204" pitchFamily="34" charset="-122"/>
                 <a:cs typeface="Microsoft YaHei" charset="0"/>
@@ -11853,22 +11817,14 @@
               <a:t>的</a:t>
             </a:r>
             <a:r>
-              <a:rPr lang="zh-Hans" altLang="en-US" sz="3600" dirty="0" smtClean="0">
+              <a:rPr lang="zh-CHS" altLang="en-US" sz="3600" dirty="0" smtClean="0">
                 <a:latin typeface="微软雅黑" panose="020B0503020204020204" pitchFamily="34" charset="-122"/>
                 <a:ea typeface="微软雅黑" panose="020B0503020204020204" pitchFamily="34" charset="-122"/>
                 <a:cs typeface="Microsoft YaHei" charset="0"/>
               </a:rPr>
-              <a:t>集成测试</a:t>
-            </a:r>
-            <a:r>
-              <a:rPr lang="zh-CN" altLang="en-US" sz="3600" dirty="0" smtClean="0">
-                <a:latin typeface="微软雅黑" panose="020B0503020204020204" pitchFamily="34" charset="-122"/>
-                <a:ea typeface="微软雅黑" panose="020B0503020204020204" pitchFamily="34" charset="-122"/>
-                <a:cs typeface="Microsoft YaHei" charset="0"/>
-              </a:rPr>
-              <a:t>代码不能修改并且要保证运行通过</a:t>
-            </a:r>
-            <a:endParaRPr lang="en-US" altLang="zh-Hans" sz="3600" dirty="0">
+              <a:t>集成测试代码不能修改并且要保证运行通过</a:t>
+            </a:r>
+            <a:endParaRPr lang="en-US" altLang="zh-CHS" sz="3600" dirty="0">
               <a:latin typeface="微软雅黑" panose="020B0503020204020204" pitchFamily="34" charset="-122"/>
               <a:ea typeface="微软雅黑" panose="020B0503020204020204" pitchFamily="34" charset="-122"/>
               <a:cs typeface="Microsoft YaHei" charset="0"/>
@@ -11885,7 +11841,7 @@
               <a:buFont typeface="Wingdings" charset="2"/>
               <a:buChar char=""/>
             </a:pPr>
-            <a:endParaRPr lang="en-US" altLang="zh-Hans" sz="2200" dirty="0" smtClean="0">
+            <a:endParaRPr lang="en-US" altLang="zh-CHS" sz="2200" dirty="0" smtClean="0">
               <a:latin typeface="微软雅黑" panose="020B0503020204020204" pitchFamily="34" charset="-122"/>
               <a:ea typeface="微软雅黑" panose="020B0503020204020204" pitchFamily="34" charset="-122"/>
               <a:cs typeface="Microsoft YaHei" charset="0"/>
@@ -11903,7 +11859,7 @@
                 <a:schemeClr val="tx2"/>
               </a:buClr>
             </a:pPr>
-            <a:endParaRPr lang="zh-Hans" altLang="en-US" sz="3600" dirty="0" smtClean="0">
+            <a:endParaRPr lang="zh-CHS" altLang="en-US" sz="3600" dirty="0" smtClean="0">
               <a:latin typeface="微软雅黑" panose="020B0503020204020204" pitchFamily="34" charset="-122"/>
               <a:ea typeface="微软雅黑" panose="020B0503020204020204" pitchFamily="34" charset="-122"/>
               <a:cs typeface="Microsoft YaHei" charset="0"/>
@@ -12176,13 +12132,13 @@
           <a:p>
             <a:pPr algn="ctr"/>
             <a:r>
-              <a:rPr lang="en-US" altLang="zh-Hans" spc="-210" dirty="0" smtClean="0">
+              <a:rPr lang="en-US" altLang="zh-CHS" spc="-210" dirty="0" smtClean="0">
                 <a:latin typeface="微软雅黑" panose="020B0503020204020204" pitchFamily="34" charset="-122"/>
                 <a:ea typeface="微软雅黑" panose="020B0503020204020204" pitchFamily="34" charset="-122"/>
               </a:rPr>
               <a:t>Mocking Template Class</a:t>
             </a:r>
-            <a:endParaRPr lang="zh-Hans" altLang="en-US" dirty="0">
+            <a:endParaRPr lang="zh-CHS" altLang="en-US" dirty="0">
               <a:latin typeface="微软雅黑" panose="020B0503020204020204" pitchFamily="34" charset="-122"/>
               <a:ea typeface="微软雅黑" panose="020B0503020204020204" pitchFamily="34" charset="-122"/>
             </a:endParaRPr>
@@ -12349,7 +12305,7 @@
             </a:ln>
             <a:extLst>
               <a:ext uri="{91240B29-F687-4f45-9708-019B960494DF}">
-                <a14:hiddenLine xmlns="" xmlns:a14="http://schemas.microsoft.com/office/drawing/2010/main" w="25400" cap="flat" cmpd="sng" algn="ctr">
+                <a14:hiddenLine xmlns:a14="http://schemas.microsoft.com/office/drawing/2010/main" xmlns="" w="25400" cap="flat" cmpd="sng" algn="ctr">
                   <a:solidFill>
                     <a:srgbClr val="000000"/>
                   </a:solidFill>
@@ -12360,7 +12316,7 @@
                 </a14:hiddenLine>
               </a:ext>
               <a:ext uri="{AF507438-7753-43e0-B8FC-AC1667EBCBE1}">
-                <a14:hiddenEffects xmlns="" xmlns:a14="http://schemas.microsoft.com/office/drawing/2010/main">
+                <a14:hiddenEffects xmlns:a14="http://schemas.microsoft.com/office/drawing/2010/main" xmlns="">
                   <a:effectLst>
                     <a:outerShdw blurRad="63500" dist="38099" dir="2700000" algn="ctr" rotWithShape="0">
                       <a:schemeClr val="bg2">
@@ -12440,43 +12396,7 @@
                   <a:latin typeface="微软雅黑" panose="020B0503020204020204" pitchFamily="34" charset="-122"/>
                   <a:ea typeface="微软雅黑" panose="020B0503020204020204" pitchFamily="34" charset="-122"/>
                 </a:rPr>
-                <a:t>Initialize </a:t>
-              </a:r>
-              <a:r>
-                <a:rPr lang="en-US" sz="3200" dirty="0" smtClean="0">
-                  <a:ln w="0"/>
-                  <a:solidFill>
-                    <a:srgbClr val="FF0000"/>
-                  </a:solidFill>
-                  <a:effectLst>
-                    <a:outerShdw blurRad="38100" dist="19050" dir="2700000" algn="tl" rotWithShape="0">
-                      <a:schemeClr val="dk1">
-                        <a:alpha val="40000"/>
-                      </a:schemeClr>
-                    </a:outerShdw>
-                  </a:effectLst>
-                  <a:latin typeface="微软雅黑" panose="020B0503020204020204" pitchFamily="34" charset="-122"/>
-                  <a:ea typeface="微软雅黑" panose="020B0503020204020204" pitchFamily="34" charset="-122"/>
-                </a:rPr>
-                <a:t>with template arg</a:t>
-              </a:r>
-              <a:r>
-                <a:rPr lang="en-US" sz="3200" dirty="0" smtClean="0">
-                  <a:ln w="0"/>
-                  <a:solidFill>
-                    <a:srgbClr val="FF0000"/>
-                  </a:solidFill>
-                  <a:effectLst>
-                    <a:outerShdw blurRad="38100" dist="19050" dir="2700000" algn="tl" rotWithShape="0">
-                      <a:schemeClr val="dk1">
-                        <a:alpha val="40000"/>
-                      </a:schemeClr>
-                    </a:outerShdw>
-                  </a:effectLst>
-                  <a:latin typeface="微软雅黑" panose="020B0503020204020204" pitchFamily="34" charset="-122"/>
-                  <a:ea typeface="微软雅黑" panose="020B0503020204020204" pitchFamily="34" charset="-122"/>
-                </a:rPr>
-                <a:t>uments</a:t>
+                <a:t>Initialize with template arguments</a:t>
               </a:r>
               <a:endParaRPr lang="en-US" sz="3600" dirty="0" smtClean="0">
                 <a:ln w="0"/>
@@ -12517,7 +12437,7 @@
             </a:ln>
             <a:extLst>
               <a:ext uri="{91240B29-F687-4f45-9708-019B960494DF}">
-                <a14:hiddenLine xmlns="" xmlns:a14="http://schemas.microsoft.com/office/drawing/2010/main" w="25400" cap="flat" cmpd="sng" algn="ctr">
+                <a14:hiddenLine xmlns:a14="http://schemas.microsoft.com/office/drawing/2010/main" xmlns="" w="25400" cap="flat" cmpd="sng" algn="ctr">
                   <a:solidFill>
                     <a:srgbClr val="000000"/>
                   </a:solidFill>
@@ -12528,7 +12448,7 @@
                 </a14:hiddenLine>
               </a:ext>
               <a:ext uri="{AF507438-7753-43e0-B8FC-AC1667EBCBE1}">
-                <a14:hiddenEffects xmlns="" xmlns:a14="http://schemas.microsoft.com/office/drawing/2010/main">
+                <a14:hiddenEffects xmlns:a14="http://schemas.microsoft.com/office/drawing/2010/main" xmlns="">
                   <a:effectLst>
                     <a:outerShdw blurRad="63500" dist="38099" dir="2700000" algn="ctr" rotWithShape="0">
                       <a:schemeClr val="bg2">
@@ -12740,13 +12660,13 @@
           <a:p>
             <a:pPr algn="ctr"/>
             <a:r>
-              <a:rPr lang="en-US" altLang="zh-CN" spc="-210" dirty="0" smtClean="0">
+              <a:rPr lang="en-US" altLang="zh-CHS" spc="-210" dirty="0" smtClean="0">
                 <a:latin typeface="微软雅黑" panose="020B0503020204020204" pitchFamily="34" charset="-122"/>
                 <a:ea typeface="微软雅黑" panose="020B0503020204020204" pitchFamily="34" charset="-122"/>
               </a:rPr>
               <a:t>MOCKING AUTO_PTR</a:t>
             </a:r>
-            <a:endParaRPr lang="zh-CN" altLang="en-US" dirty="0">
+            <a:endParaRPr lang="zh-CHS" altLang="en-US" dirty="0">
               <a:latin typeface="微软雅黑" panose="020B0503020204020204" pitchFamily="34" charset="-122"/>
               <a:ea typeface="微软雅黑" panose="020B0503020204020204" pitchFamily="34" charset="-122"/>
             </a:endParaRPr>
@@ -12930,7 +12850,7 @@
             </a:ln>
             <a:extLst>
               <a:ext uri="{91240B29-F687-4f45-9708-019B960494DF}">
-                <a14:hiddenLine xmlns="" xmlns:a14="http://schemas.microsoft.com/office/drawing/2010/main" w="25400" cap="flat" cmpd="sng" algn="ctr">
+                <a14:hiddenLine xmlns:a14="http://schemas.microsoft.com/office/drawing/2010/main" xmlns="" w="25400" cap="flat" cmpd="sng" algn="ctr">
                   <a:solidFill>
                     <a:srgbClr val="000000"/>
                   </a:solidFill>
@@ -12941,7 +12861,7 @@
                 </a14:hiddenLine>
               </a:ext>
               <a:ext uri="{AF507438-7753-43e0-B8FC-AC1667EBCBE1}">
-                <a14:hiddenEffects xmlns="" xmlns:a14="http://schemas.microsoft.com/office/drawing/2010/main">
+                <a14:hiddenEffects xmlns:a14="http://schemas.microsoft.com/office/drawing/2010/main" xmlns="">
                   <a:effectLst>
                     <a:outerShdw blurRad="63500" dist="38099" dir="2700000" algn="ctr" rotWithShape="0">
                       <a:schemeClr val="bg2">
@@ -13099,7 +13019,7 @@
             </a:ln>
             <a:extLst>
               <a:ext uri="{91240B29-F687-4f45-9708-019B960494DF}">
-                <a14:hiddenLine xmlns="" xmlns:a14="http://schemas.microsoft.com/office/drawing/2010/main" w="25400" cap="flat" cmpd="sng" algn="ctr">
+                <a14:hiddenLine xmlns:a14="http://schemas.microsoft.com/office/drawing/2010/main" xmlns="" w="25400" cap="flat" cmpd="sng" algn="ctr">
                   <a:solidFill>
                     <a:srgbClr val="000000"/>
                   </a:solidFill>
@@ -13110,7 +13030,7 @@
                 </a14:hiddenLine>
               </a:ext>
               <a:ext uri="{AF507438-7753-43e0-B8FC-AC1667EBCBE1}">
-                <a14:hiddenEffects xmlns="" xmlns:a14="http://schemas.microsoft.com/office/drawing/2010/main">
+                <a14:hiddenEffects xmlns:a14="http://schemas.microsoft.com/office/drawing/2010/main" xmlns="">
                   <a:effectLst>
                     <a:outerShdw blurRad="63500" dist="38099" dir="2700000" algn="ctr" rotWithShape="0">
                       <a:schemeClr val="bg2">
@@ -13256,7 +13176,7 @@
             </a:ln>
             <a:extLst>
               <a:ext uri="{91240B29-F687-4f45-9708-019B960494DF}">
-                <a14:hiddenLine xmlns="" xmlns:a14="http://schemas.microsoft.com/office/drawing/2010/main" w="25400" cap="flat" cmpd="sng" algn="ctr">
+                <a14:hiddenLine xmlns:a14="http://schemas.microsoft.com/office/drawing/2010/main" xmlns="" w="25400" cap="flat" cmpd="sng" algn="ctr">
                   <a:solidFill>
                     <a:srgbClr val="000000"/>
                   </a:solidFill>
@@ -13267,7 +13187,7 @@
                 </a14:hiddenLine>
               </a:ext>
               <a:ext uri="{AF507438-7753-43e0-B8FC-AC1667EBCBE1}">
-                <a14:hiddenEffects xmlns="" xmlns:a14="http://schemas.microsoft.com/office/drawing/2010/main">
+                <a14:hiddenEffects xmlns:a14="http://schemas.microsoft.com/office/drawing/2010/main" xmlns="">
                   <a:effectLst>
                     <a:outerShdw blurRad="63500" dist="38099" dir="2700000" algn="ctr" rotWithShape="0">
                       <a:schemeClr val="bg2">
@@ -13708,13 +13628,13 @@
           <a:p>
             <a:pPr algn="ctr"/>
             <a:r>
-              <a:rPr lang="en-US" altLang="zh-CN" spc="-210" dirty="0" smtClean="0">
+              <a:rPr lang="en-US" altLang="zh-CHS" spc="-210" dirty="0" smtClean="0">
                 <a:latin typeface="微软雅黑" panose="020B0503020204020204" pitchFamily="34" charset="-122"/>
                 <a:ea typeface="微软雅黑" panose="020B0503020204020204" pitchFamily="34" charset="-122"/>
               </a:rPr>
               <a:t>MOCKING AUTO_PTR</a:t>
             </a:r>
-            <a:endParaRPr lang="zh-CN" altLang="en-US" dirty="0">
+            <a:endParaRPr lang="zh-CHS" altLang="en-US" dirty="0">
               <a:latin typeface="微软雅黑" panose="020B0503020204020204" pitchFamily="34" charset="-122"/>
               <a:ea typeface="微软雅黑" panose="020B0503020204020204" pitchFamily="34" charset="-122"/>
             </a:endParaRPr>
@@ -13863,7 +13783,7 @@
             </a:ln>
             <a:extLst>
               <a:ext uri="{91240B29-F687-4f45-9708-019B960494DF}">
-                <a14:hiddenLine xmlns="" xmlns:a14="http://schemas.microsoft.com/office/drawing/2010/main" w="25400" cap="flat" cmpd="sng" algn="ctr">
+                <a14:hiddenLine xmlns:a14="http://schemas.microsoft.com/office/drawing/2010/main" xmlns="" w="25400" cap="flat" cmpd="sng" algn="ctr">
                   <a:solidFill>
                     <a:srgbClr val="000000"/>
                   </a:solidFill>
@@ -13874,7 +13794,7 @@
                 </a14:hiddenLine>
               </a:ext>
               <a:ext uri="{AF507438-7753-43e0-B8FC-AC1667EBCBE1}">
-                <a14:hiddenEffects xmlns="" xmlns:a14="http://schemas.microsoft.com/office/drawing/2010/main">
+                <a14:hiddenEffects xmlns:a14="http://schemas.microsoft.com/office/drawing/2010/main" xmlns="">
                   <a:effectLst>
                     <a:outerShdw blurRad="63500" dist="38099" dir="2700000" algn="ctr" rotWithShape="0">
                       <a:schemeClr val="bg2">
@@ -14033,20 +13953,20 @@
           <a:p>
             <a:pPr algn="ctr"/>
             <a:r>
-              <a:rPr lang="en-US" altLang="zh-CN" spc="-210" dirty="0" smtClean="0">
+              <a:rPr lang="en-US" altLang="zh-CHS" spc="-210" dirty="0" smtClean="0">
                 <a:latin typeface="微软雅黑" panose="020B0503020204020204" pitchFamily="34" charset="-122"/>
                 <a:ea typeface="微软雅黑" panose="020B0503020204020204" pitchFamily="34" charset="-122"/>
               </a:rPr>
               <a:t>Advanced </a:t>
             </a:r>
             <a:r>
-              <a:rPr lang="en-US" altLang="zh-CN" spc="-210" dirty="0" err="1" smtClean="0">
+              <a:rPr lang="en-US" altLang="zh-CHS" spc="-210" dirty="0" err="1" smtClean="0">
                 <a:latin typeface="微软雅黑" panose="020B0503020204020204" pitchFamily="34" charset="-122"/>
                 <a:ea typeface="微软雅黑" panose="020B0503020204020204" pitchFamily="34" charset="-122"/>
               </a:rPr>
               <a:t>Mathers</a:t>
             </a:r>
-            <a:endParaRPr lang="zh-CN" altLang="en-US" dirty="0">
+            <a:endParaRPr lang="zh-CHS" altLang="en-US" dirty="0">
               <a:latin typeface="微软雅黑" panose="020B0503020204020204" pitchFamily="34" charset="-122"/>
               <a:ea typeface="微软雅黑" panose="020B0503020204020204" pitchFamily="34" charset="-122"/>
             </a:endParaRPr>
@@ -14256,13 +14176,13 @@
           <a:p>
             <a:pPr algn="ctr"/>
             <a:r>
-              <a:rPr lang="en-US" altLang="zh-CN" spc="-210" dirty="0" smtClean="0">
+              <a:rPr lang="en-US" altLang="zh-CHS" spc="-210" dirty="0" smtClean="0">
                 <a:latin typeface="微软雅黑" panose="020B0503020204020204" pitchFamily="34" charset="-122"/>
                 <a:ea typeface="微软雅黑" panose="020B0503020204020204" pitchFamily="34" charset="-122"/>
               </a:rPr>
               <a:t>Advanced Actions</a:t>
             </a:r>
-            <a:endParaRPr lang="zh-CN" altLang="en-US" dirty="0">
+            <a:endParaRPr lang="zh-CHS" altLang="en-US" dirty="0">
               <a:latin typeface="微软雅黑" panose="020B0503020204020204" pitchFamily="34" charset="-122"/>
               <a:ea typeface="微软雅黑" panose="020B0503020204020204" pitchFamily="34" charset="-122"/>
             </a:endParaRPr>
@@ -14472,13 +14392,13 @@
           <a:p>
             <a:pPr algn="ctr"/>
             <a:r>
-              <a:rPr lang="en-US" altLang="zh-CN" spc="-210" dirty="0">
+              <a:rPr lang="en-US" altLang="zh-CHS" spc="-210" dirty="0">
                 <a:latin typeface="微软雅黑" panose="020B0503020204020204" pitchFamily="34" charset="-122"/>
                 <a:ea typeface="微软雅黑" panose="020B0503020204020204" pitchFamily="34" charset="-122"/>
               </a:rPr>
               <a:t>Expectation Order</a:t>
             </a:r>
-            <a:endParaRPr lang="zh-CN" altLang="en-US" dirty="0">
+            <a:endParaRPr lang="zh-CHS" altLang="en-US" dirty="0">
               <a:latin typeface="微软雅黑" panose="020B0503020204020204" pitchFamily="34" charset="-122"/>
               <a:ea typeface="微软雅黑" panose="020B0503020204020204" pitchFamily="34" charset="-122"/>
             </a:endParaRPr>
@@ -14766,20 +14686,20 @@
           <a:p>
             <a:pPr latinLnBrk="1"/>
             <a:r>
-              <a:rPr lang="en-US" altLang="zh-Hans" dirty="0" smtClean="0">
+              <a:rPr lang="en-US" altLang="zh-CHS" dirty="0" smtClean="0">
                 <a:latin typeface="微软雅黑" panose="020B0503020204020204" pitchFamily="34" charset="-122"/>
                 <a:ea typeface="微软雅黑" panose="020B0503020204020204" pitchFamily="34" charset="-122"/>
               </a:rPr>
               <a:t>Google </a:t>
             </a:r>
             <a:r>
-              <a:rPr lang="en-US" altLang="zh-Hans" dirty="0">
+              <a:rPr lang="en-US" altLang="zh-CHS" dirty="0">
                 <a:latin typeface="微软雅黑" panose="020B0503020204020204" pitchFamily="34" charset="-122"/>
                 <a:ea typeface="微软雅黑" panose="020B0503020204020204" pitchFamily="34" charset="-122"/>
               </a:rPr>
               <a:t>Mock Cook Book</a:t>
             </a:r>
-            <a:endParaRPr lang="en-US" altLang="zh-Hans" dirty="0" smtClean="0">
+            <a:endParaRPr lang="en-US" altLang="zh-CHS" dirty="0" smtClean="0">
               <a:latin typeface="微软雅黑" panose="020B0503020204020204" pitchFamily="34" charset="-122"/>
               <a:ea typeface="微软雅黑" panose="020B0503020204020204" pitchFamily="34" charset="-122"/>
             </a:endParaRPr>
@@ -15058,10 +14978,6 @@
               </a:rPr>
               <a:t>Painless Refactoring</a:t>
             </a:r>
-            <a:endParaRPr lang="en-US" cap="none" dirty="0" smtClean="0">
-              <a:latin typeface="微软雅黑" panose="020B0503020204020204" pitchFamily="34" charset="-122"/>
-              <a:ea typeface="微软雅黑" panose="020B0503020204020204" pitchFamily="34" charset="-122"/>
-            </a:endParaRPr>
           </a:p>
         </p:txBody>
       </p:sp>
@@ -15187,20 +15103,20 @@
           <a:p>
             <a:pPr algn="ctr"/>
             <a:r>
-              <a:rPr lang="en-US" altLang="zh-Hans" dirty="0">
+              <a:rPr lang="en-US" altLang="zh-CHS" dirty="0">
                 <a:latin typeface="微软雅黑" panose="020B0503020204020204" pitchFamily="34" charset="-122"/>
                 <a:ea typeface="微软雅黑" panose="020B0503020204020204" pitchFamily="34" charset="-122"/>
               </a:rPr>
               <a:t>Side </a:t>
             </a:r>
             <a:r>
-              <a:rPr lang="en-US" altLang="zh-Hans" dirty="0" smtClean="0">
+              <a:rPr lang="en-US" altLang="zh-CHS" dirty="0" smtClean="0">
                 <a:latin typeface="微软雅黑" panose="020B0503020204020204" pitchFamily="34" charset="-122"/>
                 <a:ea typeface="微软雅黑" panose="020B0503020204020204" pitchFamily="34" charset="-122"/>
               </a:rPr>
               <a:t>Effect OF Dependency Injection</a:t>
             </a:r>
-            <a:endParaRPr lang="zh-Hans" altLang="en-US" dirty="0">
+            <a:endParaRPr lang="zh-CHS" altLang="en-US" dirty="0">
               <a:latin typeface="微软雅黑" panose="020B0503020204020204" pitchFamily="34" charset="-122"/>
               <a:ea typeface="微软雅黑" panose="020B0503020204020204" pitchFamily="34" charset="-122"/>
             </a:endParaRPr>
@@ -15511,13 +15427,13 @@
           <a:p>
             <a:pPr algn="ctr"/>
             <a:r>
-              <a:rPr lang="en-US" altLang="zh-Hans" dirty="0" smtClean="0">
+              <a:rPr lang="en-US" altLang="zh-CHS" dirty="0" smtClean="0">
                 <a:latin typeface="微软雅黑" panose="020B0503020204020204" pitchFamily="34" charset="-122"/>
                 <a:ea typeface="微软雅黑" panose="020B0503020204020204" pitchFamily="34" charset="-122"/>
               </a:rPr>
               <a:t>Factory Method</a:t>
             </a:r>
-            <a:endParaRPr lang="zh-Hans" altLang="en-US" dirty="0">
+            <a:endParaRPr lang="zh-CHS" altLang="en-US" dirty="0">
               <a:latin typeface="微软雅黑" panose="020B0503020204020204" pitchFamily="34" charset="-122"/>
               <a:ea typeface="微软雅黑" panose="020B0503020204020204" pitchFamily="34" charset="-122"/>
             </a:endParaRPr>
@@ -15625,7 +15541,7 @@
                   <a:spcPct val="100000"/>
                 </a:lnSpc>
               </a:pPr>
-              <a:endParaRPr lang="zh-CN" altLang="en-US" dirty="0" smtClean="0">
+              <a:endParaRPr lang="zh-CHS" altLang="en-US" dirty="0" smtClean="0">
                 <a:solidFill>
                   <a:schemeClr val="tx1"/>
                 </a:solidFill>
@@ -15843,13 +15759,13 @@
           <a:p>
             <a:pPr algn="ctr"/>
             <a:r>
-              <a:rPr lang="en-US" altLang="zh-Hans" dirty="0" smtClean="0">
+              <a:rPr lang="en-US" altLang="zh-CHS" dirty="0" smtClean="0">
                 <a:latin typeface="微软雅黑" panose="020B0503020204020204" pitchFamily="34" charset="-122"/>
                 <a:ea typeface="微软雅黑" panose="020B0503020204020204" pitchFamily="34" charset="-122"/>
               </a:rPr>
               <a:t>Constructor Default Parameters</a:t>
             </a:r>
-            <a:endParaRPr lang="zh-Hans" altLang="en-US" dirty="0">
+            <a:endParaRPr lang="zh-CHS" altLang="en-US" dirty="0">
               <a:latin typeface="微软雅黑" panose="020B0503020204020204" pitchFamily="34" charset="-122"/>
               <a:ea typeface="微软雅黑" panose="020B0503020204020204" pitchFamily="34" charset="-122"/>
             </a:endParaRPr>
@@ -15933,7 +15849,7 @@
                   <a:spcPct val="100000"/>
                 </a:lnSpc>
               </a:pPr>
-              <a:endParaRPr lang="zh-CN" altLang="en-US" dirty="0" smtClean="0">
+              <a:endParaRPr lang="zh-CHS" altLang="en-US" dirty="0" smtClean="0">
                 <a:solidFill>
                   <a:schemeClr val="tx1"/>
                 </a:solidFill>
@@ -16061,7 +15977,7 @@
             </a:ln>
             <a:extLst>
               <a:ext uri="{91240B29-F687-4f45-9708-019B960494DF}">
-                <a14:hiddenLine xmlns="" xmlns:a14="http://schemas.microsoft.com/office/drawing/2010/main" w="25400" cap="flat" cmpd="sng" algn="ctr">
+                <a14:hiddenLine xmlns:a14="http://schemas.microsoft.com/office/drawing/2010/main" xmlns="" w="25400" cap="flat" cmpd="sng" algn="ctr">
                   <a:solidFill>
                     <a:srgbClr val="000000"/>
                   </a:solidFill>
@@ -16072,7 +15988,7 @@
                 </a14:hiddenLine>
               </a:ext>
               <a:ext uri="{AF507438-7753-43e0-B8FC-AC1667EBCBE1}">
-                <a14:hiddenEffects xmlns="" xmlns:a14="http://schemas.microsoft.com/office/drawing/2010/main">
+                <a14:hiddenEffects xmlns:a14="http://schemas.microsoft.com/office/drawing/2010/main" xmlns="">
                   <a:effectLst>
                     <a:outerShdw blurRad="63500" dist="38099" dir="2700000" algn="ctr" rotWithShape="0">
                       <a:schemeClr val="bg2">
@@ -16132,7 +16048,7 @@
                             </p:stCondLst>
                             <p:childTnLst>
                               <p:par>
-                                <p:cTn id="5" presetID="10" presetClass="entr" presetSubtype="0" fill="hold" nodeType="clickEffect">
+                                <p:cTn id="5" presetID="22" presetClass="entr" presetSubtype="8" fill="hold" nodeType="clickEffect">
                                   <p:stCondLst>
                                     <p:cond delay="0"/>
                                   </p:stCondLst>
@@ -16145,7 +16061,7 @@
                                           </p:stCondLst>
                                         </p:cTn>
                                         <p:tgtEl>
-                                          <p:spTgt spid="12"/>
+                                          <p:spTgt spid="11"/>
                                         </p:tgtEl>
                                         <p:attrNameLst>
                                           <p:attrName>style.visibility</p:attrName>
@@ -16155,11 +16071,11 @@
                                         <p:strVal val="visible"/>
                                       </p:to>
                                     </p:set>
-                                    <p:animEffect transition="in" filter="fade">
+                                    <p:animEffect transition="in" filter="wipe(left)">
                                       <p:cBhvr>
                                         <p:cTn id="7" dur="500"/>
                                         <p:tgtEl>
-                                          <p:spTgt spid="12"/>
+                                          <p:spTgt spid="11"/>
                                         </p:tgtEl>
                                       </p:cBhvr>
                                     </p:animEffect>
@@ -16198,7 +16114,7 @@
                                           </p:stCondLst>
                                         </p:cTn>
                                         <p:tgtEl>
-                                          <p:spTgt spid="11"/>
+                                          <p:spTgt spid="14"/>
                                         </p:tgtEl>
                                         <p:attrNameLst>
                                           <p:attrName>style.visibility</p:attrName>
@@ -16211,59 +16127,6 @@
                                     <p:animEffect transition="in" filter="wipe(left)">
                                       <p:cBhvr>
                                         <p:cTn id="12" dur="500"/>
-                                        <p:tgtEl>
-                                          <p:spTgt spid="11"/>
-                                        </p:tgtEl>
-                                      </p:cBhvr>
-                                    </p:animEffect>
-                                  </p:childTnLst>
-                                </p:cTn>
-                              </p:par>
-                            </p:childTnLst>
-                          </p:cTn>
-                        </p:par>
-                      </p:childTnLst>
-                    </p:cTn>
-                  </p:par>
-                  <p:par>
-                    <p:cTn id="13" fill="hold">
-                      <p:stCondLst>
-                        <p:cond delay="indefinite"/>
-                      </p:stCondLst>
-                      <p:childTnLst>
-                        <p:par>
-                          <p:cTn id="14" fill="hold">
-                            <p:stCondLst>
-                              <p:cond delay="0"/>
-                            </p:stCondLst>
-                            <p:childTnLst>
-                              <p:par>
-                                <p:cTn id="15" presetID="22" presetClass="entr" presetSubtype="8" fill="hold" nodeType="clickEffect">
-                                  <p:stCondLst>
-                                    <p:cond delay="0"/>
-                                  </p:stCondLst>
-                                  <p:childTnLst>
-                                    <p:set>
-                                      <p:cBhvr>
-                                        <p:cTn id="16" dur="1" fill="hold">
-                                          <p:stCondLst>
-                                            <p:cond delay="0"/>
-                                          </p:stCondLst>
-                                        </p:cTn>
-                                        <p:tgtEl>
-                                          <p:spTgt spid="14"/>
-                                        </p:tgtEl>
-                                        <p:attrNameLst>
-                                          <p:attrName>style.visibility</p:attrName>
-                                        </p:attrNameLst>
-                                      </p:cBhvr>
-                                      <p:to>
-                                        <p:strVal val="visible"/>
-                                      </p:to>
-                                    </p:set>
-                                    <p:animEffect transition="in" filter="wipe(left)">
-                                      <p:cBhvr>
-                                        <p:cTn id="17" dur="500"/>
                                         <p:tgtEl>
                                           <p:spTgt spid="14"/>
                                         </p:tgtEl>
@@ -16337,27 +16200,27 @@
           <a:p>
             <a:pPr algn="ctr"/>
             <a:r>
-              <a:rPr lang="en-US" altLang="zh-Hans" dirty="0" smtClean="0">
+              <a:rPr lang="en-US" altLang="zh-CHS" dirty="0" smtClean="0">
                 <a:latin typeface="微软雅黑" panose="020B0503020204020204" pitchFamily="34" charset="-122"/>
                 <a:ea typeface="微软雅黑" panose="020B0503020204020204" pitchFamily="34" charset="-122"/>
               </a:rPr>
               <a:t>MOCK STATIC Function With </a:t>
             </a:r>
             <a:r>
-              <a:rPr lang="en-US" altLang="zh-Hans" dirty="0" err="1" smtClean="0">
+              <a:rPr lang="en-US" altLang="zh-CHS" dirty="0" err="1" smtClean="0">
                 <a:latin typeface="微软雅黑" panose="020B0503020204020204" pitchFamily="34" charset="-122"/>
                 <a:ea typeface="微软雅黑" panose="020B0503020204020204" pitchFamily="34" charset="-122"/>
               </a:rPr>
               <a:t>Std</a:t>
             </a:r>
             <a:r>
-              <a:rPr lang="en-US" altLang="zh-Hans" dirty="0" smtClean="0">
+              <a:rPr lang="en-US" altLang="zh-CHS" dirty="0" smtClean="0">
                 <a:latin typeface="微软雅黑" panose="020B0503020204020204" pitchFamily="34" charset="-122"/>
                 <a:ea typeface="微软雅黑" panose="020B0503020204020204" pitchFamily="34" charset="-122"/>
               </a:rPr>
               <a:t>::Function</a:t>
             </a:r>
-            <a:endParaRPr lang="zh-Hans" altLang="en-US" dirty="0">
+            <a:endParaRPr lang="zh-CHS" altLang="en-US" dirty="0">
               <a:latin typeface="微软雅黑" panose="020B0503020204020204" pitchFamily="34" charset="-122"/>
               <a:ea typeface="微软雅黑" panose="020B0503020204020204" pitchFamily="34" charset="-122"/>
             </a:endParaRPr>
@@ -16489,7 +16352,7 @@
                   <a:spcPct val="100000"/>
                 </a:lnSpc>
               </a:pPr>
-              <a:endParaRPr lang="zh-CN" altLang="en-US" dirty="0" smtClean="0">
+              <a:endParaRPr lang="zh-CHS" altLang="en-US" dirty="0" smtClean="0">
                 <a:solidFill>
                   <a:schemeClr val="tx1"/>
                 </a:solidFill>
@@ -16611,7 +16474,7 @@
             </a:ln>
             <a:extLst>
               <a:ext uri="{91240B29-F687-4f45-9708-019B960494DF}">
-                <a14:hiddenLine xmlns="" xmlns:a14="http://schemas.microsoft.com/office/drawing/2010/main" w="25400" cap="flat" cmpd="sng" algn="ctr">
+                <a14:hiddenLine xmlns:a14="http://schemas.microsoft.com/office/drawing/2010/main" xmlns="" w="25400" cap="flat" cmpd="sng" algn="ctr">
                   <a:solidFill>
                     <a:srgbClr val="000000"/>
                   </a:solidFill>
@@ -16622,7 +16485,7 @@
                 </a14:hiddenLine>
               </a:ext>
               <a:ext uri="{AF507438-7753-43e0-B8FC-AC1667EBCBE1}">
-                <a14:hiddenEffects xmlns="" xmlns:a14="http://schemas.microsoft.com/office/drawing/2010/main">
+                <a14:hiddenEffects xmlns:a14="http://schemas.microsoft.com/office/drawing/2010/main" xmlns="">
                   <a:effectLst>
                     <a:outerShdw blurRad="63500" dist="38099" dir="2700000" algn="ctr" rotWithShape="0">
                       <a:schemeClr val="bg2">
@@ -16834,27 +16697,27 @@
           <a:p>
             <a:pPr algn="ctr"/>
             <a:r>
-              <a:rPr lang="en-US" altLang="zh-Hans" dirty="0" smtClean="0">
+              <a:rPr lang="en-US" altLang="zh-CHS" dirty="0" smtClean="0">
                 <a:latin typeface="微软雅黑" panose="020B0503020204020204" pitchFamily="34" charset="-122"/>
                 <a:ea typeface="微软雅黑" panose="020B0503020204020204" pitchFamily="34" charset="-122"/>
               </a:rPr>
               <a:t>Pass Mocked Function With </a:t>
             </a:r>
             <a:r>
-              <a:rPr lang="en-US" altLang="zh-Hans" dirty="0" err="1" smtClean="0">
+              <a:rPr lang="en-US" altLang="zh-CHS" dirty="0" err="1" smtClean="0">
                 <a:latin typeface="微软雅黑" panose="020B0503020204020204" pitchFamily="34" charset="-122"/>
                 <a:ea typeface="微软雅黑" panose="020B0503020204020204" pitchFamily="34" charset="-122"/>
               </a:rPr>
               <a:t>std</a:t>
             </a:r>
             <a:r>
-              <a:rPr lang="en-US" altLang="zh-Hans" dirty="0" smtClean="0">
+              <a:rPr lang="en-US" altLang="zh-CHS" dirty="0" smtClean="0">
                 <a:latin typeface="微软雅黑" panose="020B0503020204020204" pitchFamily="34" charset="-122"/>
                 <a:ea typeface="微软雅黑" panose="020B0503020204020204" pitchFamily="34" charset="-122"/>
               </a:rPr>
               <a:t>::bind</a:t>
             </a:r>
-            <a:endParaRPr lang="zh-Hans" altLang="en-US" dirty="0">
+            <a:endParaRPr lang="zh-CHS" altLang="en-US" dirty="0">
               <a:latin typeface="微软雅黑" panose="020B0503020204020204" pitchFamily="34" charset="-122"/>
               <a:ea typeface="微软雅黑" panose="020B0503020204020204" pitchFamily="34" charset="-122"/>
             </a:endParaRPr>
@@ -17027,7 +16890,7 @@
             </a:ln>
             <a:extLst>
               <a:ext uri="{91240B29-F687-4f45-9708-019B960494DF}">
-                <a14:hiddenLine xmlns="" xmlns:a14="http://schemas.microsoft.com/office/drawing/2010/main" w="25400" cap="flat" cmpd="sng" algn="ctr">
+                <a14:hiddenLine xmlns:a14="http://schemas.microsoft.com/office/drawing/2010/main" xmlns="" w="25400" cap="flat" cmpd="sng" algn="ctr">
                   <a:solidFill>
                     <a:srgbClr val="000000"/>
                   </a:solidFill>
@@ -17038,7 +16901,7 @@
                 </a14:hiddenLine>
               </a:ext>
               <a:ext uri="{AF507438-7753-43e0-B8FC-AC1667EBCBE1}">
-                <a14:hiddenEffects xmlns="" xmlns:a14="http://schemas.microsoft.com/office/drawing/2010/main">
+                <a14:hiddenEffects xmlns:a14="http://schemas.microsoft.com/office/drawing/2010/main" xmlns="">
                   <a:effectLst>
                     <a:outerShdw blurRad="63500" dist="38099" dir="2700000" algn="ctr" rotWithShape="0">
                       <a:schemeClr val="bg2">
@@ -17160,7 +17023,7 @@
             </a:ln>
             <a:extLst>
               <a:ext uri="{91240B29-F687-4f45-9708-019B960494DF}">
-                <a14:hiddenLine xmlns="" xmlns:a14="http://schemas.microsoft.com/office/drawing/2010/main" w="25400" cap="flat" cmpd="sng" algn="ctr">
+                <a14:hiddenLine xmlns:a14="http://schemas.microsoft.com/office/drawing/2010/main" xmlns="" w="25400" cap="flat" cmpd="sng" algn="ctr">
                   <a:solidFill>
                     <a:srgbClr val="000000"/>
                   </a:solidFill>
@@ -17171,7 +17034,7 @@
                 </a14:hiddenLine>
               </a:ext>
               <a:ext uri="{AF507438-7753-43e0-B8FC-AC1667EBCBE1}">
-                <a14:hiddenEffects xmlns="" xmlns:a14="http://schemas.microsoft.com/office/drawing/2010/main">
+                <a14:hiddenEffects xmlns:a14="http://schemas.microsoft.com/office/drawing/2010/main" xmlns="">
                   <a:effectLst>
                     <a:outerShdw blurRad="63500" dist="38099" dir="2700000" algn="ctr" rotWithShape="0">
                       <a:schemeClr val="bg2">
@@ -17383,13 +17246,13 @@
           <a:p>
             <a:pPr algn="ctr"/>
             <a:r>
-              <a:rPr lang="en-US" altLang="zh-Hans" dirty="0" smtClean="0">
+              <a:rPr lang="en-US" altLang="zh-CHS" dirty="0" smtClean="0">
                 <a:latin typeface="微软雅黑" panose="020B0503020204020204" pitchFamily="34" charset="-122"/>
                 <a:ea typeface="微软雅黑" panose="020B0503020204020204" pitchFamily="34" charset="-122"/>
               </a:rPr>
               <a:t>Extract Interface</a:t>
             </a:r>
-            <a:endParaRPr lang="zh-Hans" altLang="en-US" dirty="0">
+            <a:endParaRPr lang="zh-CHS" altLang="en-US" dirty="0">
               <a:latin typeface="微软雅黑" panose="020B0503020204020204" pitchFamily="34" charset="-122"/>
               <a:ea typeface="微软雅黑" panose="020B0503020204020204" pitchFamily="34" charset="-122"/>
             </a:endParaRPr>
@@ -17601,7 +17464,7 @@
                   <a:spcPct val="100000"/>
                 </a:lnSpc>
               </a:pPr>
-              <a:endParaRPr lang="zh-CN" altLang="en-US" dirty="0" smtClean="0">
+              <a:endParaRPr lang="zh-CHS" altLang="en-US" dirty="0" smtClean="0">
                 <a:solidFill>
                   <a:schemeClr val="tx1"/>
                 </a:solidFill>
@@ -17835,13 +17698,13 @@
           <a:p>
             <a:pPr algn="ctr"/>
             <a:r>
-              <a:rPr lang="en-US" altLang="zh-Hans" sz="4800" dirty="0" smtClean="0">
+              <a:rPr lang="en-US" altLang="zh-CHS" sz="4800" dirty="0" smtClean="0">
                 <a:latin typeface="微软雅黑" panose="020B0503020204020204" pitchFamily="34" charset="-122"/>
                 <a:ea typeface="微软雅黑" panose="020B0503020204020204" pitchFamily="34" charset="-122"/>
               </a:rPr>
               <a:t>EXERCISE</a:t>
             </a:r>
-            <a:endParaRPr lang="zh-Hans" altLang="en-US" sz="4800" dirty="0">
+            <a:endParaRPr lang="zh-CHS" altLang="en-US" sz="4800" dirty="0">
               <a:latin typeface="微软雅黑" panose="020B0503020204020204" pitchFamily="34" charset="-122"/>
               <a:ea typeface="微软雅黑" panose="020B0503020204020204" pitchFamily="34" charset="-122"/>
             </a:endParaRPr>
@@ -17874,7 +17737,7 @@
                 <a:schemeClr val="tx2"/>
               </a:buClr>
             </a:pPr>
-            <a:endParaRPr lang="en-US" altLang="zh-Hans" sz="800" dirty="0">
+            <a:endParaRPr lang="en-US" altLang="zh-CHS" sz="800" dirty="0">
               <a:latin typeface="微软雅黑" panose="020B0503020204020204" pitchFamily="34" charset="-122"/>
               <a:ea typeface="微软雅黑" panose="020B0503020204020204" pitchFamily="34" charset="-122"/>
             </a:endParaRPr>
@@ -17892,90 +17755,90 @@
               </a:buClr>
             </a:pPr>
             <a:r>
-              <a:rPr lang="zh-Hans" altLang="en-US" sz="3600" dirty="0">
+              <a:rPr lang="zh-CHS" altLang="en-US" sz="3600" dirty="0">
                 <a:latin typeface="微软雅黑" panose="020B0503020204020204" pitchFamily="34" charset="-122"/>
                 <a:ea typeface="微软雅黑" panose="020B0503020204020204" pitchFamily="34" charset="-122"/>
               </a:rPr>
               <a:t>为了更好</a:t>
             </a:r>
             <a:r>
-              <a:rPr lang="zh-Hans" altLang="en-US" sz="3600" dirty="0" smtClean="0">
+              <a:rPr lang="zh-CHS" altLang="en-US" sz="3600" dirty="0" smtClean="0">
                 <a:latin typeface="微软雅黑" panose="020B0503020204020204" pitchFamily="34" charset="-122"/>
                 <a:ea typeface="微软雅黑" panose="020B0503020204020204" pitchFamily="34" charset="-122"/>
               </a:rPr>
               <a:t>的服务读者</a:t>
             </a:r>
             <a:r>
-              <a:rPr lang="en-US" altLang="zh-Hans" sz="3600" dirty="0" smtClean="0">
+              <a:rPr lang="en-US" altLang="zh-CHS" sz="3600" dirty="0" smtClean="0">
                 <a:latin typeface="微软雅黑" panose="020B0503020204020204" pitchFamily="34" charset="-122"/>
                 <a:ea typeface="微软雅黑" panose="020B0503020204020204" pitchFamily="34" charset="-122"/>
               </a:rPr>
               <a:t>, </a:t>
             </a:r>
             <a:r>
-              <a:rPr lang="zh-Hans" altLang="en-US" sz="3600" dirty="0" smtClean="0">
+              <a:rPr lang="zh-CHS" altLang="en-US" sz="3600" dirty="0" smtClean="0">
                 <a:latin typeface="微软雅黑" panose="020B0503020204020204" pitchFamily="34" charset="-122"/>
                 <a:ea typeface="微软雅黑" panose="020B0503020204020204" pitchFamily="34" charset="-122"/>
               </a:rPr>
               <a:t>图书馆</a:t>
             </a:r>
             <a:r>
-              <a:rPr lang="zh-Hans" altLang="en-US" sz="3600" dirty="0">
+              <a:rPr lang="zh-CHS" altLang="en-US" sz="3600" dirty="0">
                 <a:latin typeface="微软雅黑" panose="020B0503020204020204" pitchFamily="34" charset="-122"/>
                 <a:ea typeface="微软雅黑" panose="020B0503020204020204" pitchFamily="34" charset="-122"/>
               </a:rPr>
               <a:t>引进</a:t>
             </a:r>
             <a:r>
-              <a:rPr lang="zh-Hans" altLang="en-US" sz="3600" dirty="0" smtClean="0">
+              <a:rPr lang="zh-CHS" altLang="en-US" sz="3600" dirty="0" smtClean="0">
                 <a:latin typeface="微软雅黑" panose="020B0503020204020204" pitchFamily="34" charset="-122"/>
                 <a:ea typeface="微软雅黑" panose="020B0503020204020204" pitchFamily="34" charset="-122"/>
               </a:rPr>
               <a:t>了图书查询</a:t>
             </a:r>
             <a:r>
-              <a:rPr lang="en-US" altLang="zh-Hans" sz="3600" dirty="0" smtClean="0">
+              <a:rPr lang="en-US" altLang="zh-CHS" sz="3600" dirty="0" smtClean="0">
                 <a:latin typeface="微软雅黑" panose="020B0503020204020204" pitchFamily="34" charset="-122"/>
                 <a:ea typeface="微软雅黑" panose="020B0503020204020204" pitchFamily="34" charset="-122"/>
               </a:rPr>
               <a:t>(SearchEngine)</a:t>
             </a:r>
             <a:r>
-              <a:rPr lang="zh-Hans" altLang="en-US" sz="3600" dirty="0" smtClean="0">
+              <a:rPr lang="zh-CHS" altLang="en-US" sz="3600" dirty="0" smtClean="0">
                 <a:latin typeface="微软雅黑" panose="020B0503020204020204" pitchFamily="34" charset="-122"/>
                 <a:ea typeface="微软雅黑" panose="020B0503020204020204" pitchFamily="34" charset="-122"/>
               </a:rPr>
               <a:t>和推荐</a:t>
             </a:r>
             <a:r>
-              <a:rPr lang="zh-Hans" altLang="en-US" sz="3600" dirty="0">
+              <a:rPr lang="zh-CHS" altLang="en-US" sz="3600" dirty="0">
                 <a:latin typeface="微软雅黑" panose="020B0503020204020204" pitchFamily="34" charset="-122"/>
                 <a:ea typeface="微软雅黑" panose="020B0503020204020204" pitchFamily="34" charset="-122"/>
               </a:rPr>
               <a:t>系统</a:t>
             </a:r>
             <a:r>
-              <a:rPr lang="en-US" altLang="zh-Hans" sz="3600" dirty="0">
+              <a:rPr lang="en-US" altLang="zh-CHS" sz="3600" dirty="0">
                 <a:latin typeface="微软雅黑" panose="020B0503020204020204" pitchFamily="34" charset="-122"/>
                 <a:ea typeface="微软雅黑" panose="020B0503020204020204" pitchFamily="34" charset="-122"/>
               </a:rPr>
               <a:t>(</a:t>
             </a:r>
             <a:r>
-              <a:rPr lang="en-US" altLang="zh-Hans" sz="3600" dirty="0" smtClean="0">
+              <a:rPr lang="en-US" altLang="zh-CHS" sz="3600" dirty="0" smtClean="0">
                 <a:latin typeface="微软雅黑" panose="020B0503020204020204" pitchFamily="34" charset="-122"/>
                 <a:ea typeface="微软雅黑" panose="020B0503020204020204" pitchFamily="34" charset="-122"/>
               </a:rPr>
               <a:t>RecommendEngine</a:t>
             </a:r>
             <a:r>
-              <a:rPr lang="en-US" altLang="zh-Hans" sz="3600" dirty="0">
+              <a:rPr lang="en-US" altLang="zh-CHS" sz="3600" dirty="0">
                 <a:latin typeface="微软雅黑" panose="020B0503020204020204" pitchFamily="34" charset="-122"/>
                 <a:ea typeface="微软雅黑" panose="020B0503020204020204" pitchFamily="34" charset="-122"/>
               </a:rPr>
               <a:t>):</a:t>
             </a:r>
-            <a:endParaRPr lang="en-US" altLang="zh-Hans" sz="3600" dirty="0" smtClean="0">
+            <a:endParaRPr lang="en-US" altLang="zh-CHS" sz="3600" dirty="0" smtClean="0">
               <a:latin typeface="微软雅黑" panose="020B0503020204020204" pitchFamily="34" charset="-122"/>
               <a:ea typeface="微软雅黑" panose="020B0503020204020204" pitchFamily="34" charset="-122"/>
             </a:endParaRPr>
@@ -17992,7 +17855,7 @@
                 <a:schemeClr val="tx2"/>
               </a:buClr>
             </a:pPr>
-            <a:endParaRPr lang="en-US" altLang="zh-Hans" sz="800" dirty="0" smtClean="0">
+            <a:endParaRPr lang="en-US" altLang="zh-CHS" sz="800" dirty="0" smtClean="0">
               <a:latin typeface="微软雅黑" panose="020B0503020204020204" pitchFamily="34" charset="-122"/>
               <a:ea typeface="微软雅黑" panose="020B0503020204020204" pitchFamily="34" charset="-122"/>
             </a:endParaRPr>
@@ -18012,20 +17875,20 @@
               <a:buChar char=""/>
             </a:pPr>
             <a:r>
-              <a:rPr lang="zh-Hans" altLang="en-US" sz="3600" dirty="0">
+              <a:rPr lang="zh-CHS" altLang="en-US" sz="3600" dirty="0">
                 <a:latin typeface="微软雅黑" panose="020B0503020204020204" pitchFamily="34" charset="-122"/>
                 <a:ea typeface="微软雅黑" panose="020B0503020204020204" pitchFamily="34" charset="-122"/>
               </a:rPr>
               <a:t>管理员会使用查询和推荐系统根据读者提供的关键字推荐一本</a:t>
             </a:r>
             <a:r>
-              <a:rPr lang="zh-Hans" altLang="en-US" sz="3600" dirty="0" smtClean="0">
+              <a:rPr lang="zh-CHS" altLang="en-US" sz="3600" dirty="0" smtClean="0">
                 <a:latin typeface="微软雅黑" panose="020B0503020204020204" pitchFamily="34" charset="-122"/>
                 <a:ea typeface="微软雅黑" panose="020B0503020204020204" pitchFamily="34" charset="-122"/>
               </a:rPr>
               <a:t>书</a:t>
             </a:r>
-            <a:endParaRPr lang="en-US" altLang="zh-Hans" sz="3600" dirty="0" smtClean="0">
+            <a:endParaRPr lang="en-US" altLang="zh-CHS" sz="3600" dirty="0" smtClean="0">
               <a:latin typeface="微软雅黑" panose="020B0503020204020204" pitchFamily="34" charset="-122"/>
               <a:ea typeface="微软雅黑" panose="020B0503020204020204" pitchFamily="34" charset="-122"/>
             </a:endParaRPr>
@@ -18042,7 +17905,7 @@
                 <a:schemeClr val="tx2"/>
               </a:buClr>
             </a:pPr>
-            <a:endParaRPr lang="zh-Hans" altLang="en-US" sz="800" dirty="0">
+            <a:endParaRPr lang="zh-CHS" altLang="en-US" sz="800" dirty="0">
               <a:latin typeface="微软雅黑" panose="020B0503020204020204" pitchFamily="34" charset="-122"/>
               <a:ea typeface="微软雅黑" panose="020B0503020204020204" pitchFamily="34" charset="-122"/>
             </a:endParaRPr>
@@ -18062,20 +17925,20 @@
               <a:buChar char=""/>
             </a:pPr>
             <a:r>
-              <a:rPr lang="zh-Hans" altLang="en-US" sz="3600" dirty="0">
+              <a:rPr lang="zh-CHS" altLang="en-US" sz="3600" dirty="0">
                 <a:latin typeface="微软雅黑" panose="020B0503020204020204" pitchFamily="34" charset="-122"/>
                 <a:ea typeface="微软雅黑" panose="020B0503020204020204" pitchFamily="34" charset="-122"/>
               </a:rPr>
               <a:t>查询系统会查询并返回所有包含指定关键字的</a:t>
             </a:r>
             <a:r>
-              <a:rPr lang="zh-Hans" altLang="en-US" sz="3600" dirty="0" smtClean="0">
+              <a:rPr lang="zh-CHS" altLang="en-US" sz="3600" dirty="0" smtClean="0">
                 <a:latin typeface="微软雅黑" panose="020B0503020204020204" pitchFamily="34" charset="-122"/>
                 <a:ea typeface="微软雅黑" panose="020B0503020204020204" pitchFamily="34" charset="-122"/>
               </a:rPr>
               <a:t>书籍</a:t>
             </a:r>
-            <a:endParaRPr lang="en-US" altLang="zh-Hans" sz="3600" dirty="0">
+            <a:endParaRPr lang="en-US" altLang="zh-CHS" sz="3600" dirty="0">
               <a:latin typeface="微软雅黑" panose="020B0503020204020204" pitchFamily="34" charset="-122"/>
               <a:ea typeface="微软雅黑" panose="020B0503020204020204" pitchFamily="34" charset="-122"/>
             </a:endParaRPr>
@@ -18092,7 +17955,7 @@
                 <a:schemeClr val="tx2"/>
               </a:buClr>
             </a:pPr>
-            <a:endParaRPr lang="en-US" altLang="zh-Hans" sz="800" dirty="0" smtClean="0">
+            <a:endParaRPr lang="en-US" altLang="zh-CHS" sz="800" dirty="0" smtClean="0">
               <a:latin typeface="微软雅黑" panose="020B0503020204020204" pitchFamily="34" charset="-122"/>
               <a:ea typeface="微软雅黑" panose="020B0503020204020204" pitchFamily="34" charset="-122"/>
             </a:endParaRPr>
@@ -18112,7 +17975,7 @@
               <a:buChar char=""/>
             </a:pPr>
             <a:r>
-              <a:rPr lang="zh-Hans" altLang="en-US" sz="3600" dirty="0">
+              <a:rPr lang="zh-CHS" altLang="en-US" sz="3600" dirty="0">
                 <a:latin typeface="微软雅黑" panose="020B0503020204020204" pitchFamily="34" charset="-122"/>
                 <a:ea typeface="微软雅黑" panose="020B0503020204020204" pitchFamily="34" charset="-122"/>
               </a:rPr>
@@ -18131,7 +17994,7 @@
                 <a:schemeClr val="tx2"/>
               </a:buClr>
             </a:pPr>
-            <a:endParaRPr lang="zh-Hans" altLang="en-US" sz="3600" dirty="0">
+            <a:endParaRPr lang="zh-CHS" altLang="en-US" sz="3600" dirty="0">
               <a:latin typeface="微软雅黑" panose="020B0503020204020204" pitchFamily="34" charset="-122"/>
               <a:ea typeface="微软雅黑" panose="020B0503020204020204" pitchFamily="34" charset="-122"/>
             </a:endParaRPr>
@@ -18150,7 +18013,7 @@
               <a:buFont typeface="Wingdings" charset="2"/>
               <a:buChar char=""/>
             </a:pPr>
-            <a:endParaRPr lang="zh-Hans" altLang="en-US" sz="3600" dirty="0">
+            <a:endParaRPr lang="zh-CHS" altLang="en-US" sz="3600" dirty="0">
               <a:latin typeface="微软雅黑" panose="020B0503020204020204" pitchFamily="34" charset="-122"/>
               <a:ea typeface="微软雅黑" panose="020B0503020204020204" pitchFamily="34" charset="-122"/>
             </a:endParaRPr>
@@ -18504,7 +18367,7 @@
         <a:effectLst/>
         <a:extLst>
           <a:ext uri="{91240B29-F687-4f45-9708-019B960494DF}">
-            <a14:hiddenLine xmlns="" xmlns:a14="http://schemas.microsoft.com/office/drawing/2010/main" w="25400" cap="flat" cmpd="sng" algn="ctr">
+            <a14:hiddenLine xmlns:a14="http://schemas.microsoft.com/office/drawing/2010/main" xmlns="" w="25400" cap="flat" cmpd="sng" algn="ctr">
               <a:solidFill>
                 <a:srgbClr val="000000"/>
               </a:solidFill>
@@ -18515,7 +18378,7 @@
             </a14:hiddenLine>
           </a:ext>
           <a:ext uri="{AF507438-7753-43e0-B8FC-AC1667EBCBE1}">
-            <a14:hiddenEffects xmlns="" xmlns:a14="http://schemas.microsoft.com/office/drawing/2010/main">
+            <a14:hiddenEffects xmlns:a14="http://schemas.microsoft.com/office/drawing/2010/main" xmlns="">
               <a:effectLst>
                 <a:outerShdw blurRad="63500" dist="38099" dir="2700000" algn="ctr" rotWithShape="0">
                   <a:schemeClr val="bg2">
@@ -18891,7 +18754,7 @@
         <a:effectLst/>
         <a:extLst>
           <a:ext uri="{91240B29-F687-4f45-9708-019B960494DF}">
-            <a14:hiddenLine xmlns="" xmlns:a14="http://schemas.microsoft.com/office/drawing/2010/main" w="25400" cap="flat" cmpd="sng" algn="ctr">
+            <a14:hiddenLine xmlns:a14="http://schemas.microsoft.com/office/drawing/2010/main" xmlns="" w="25400" cap="flat" cmpd="sng" algn="ctr">
               <a:solidFill>
                 <a:srgbClr val="000000"/>
               </a:solidFill>
@@ -18902,7 +18765,7 @@
             </a14:hiddenLine>
           </a:ext>
           <a:ext uri="{AF507438-7753-43e0-B8FC-AC1667EBCBE1}">
-            <a14:hiddenEffects xmlns="" xmlns:a14="http://schemas.microsoft.com/office/drawing/2010/main">
+            <a14:hiddenEffects xmlns:a14="http://schemas.microsoft.com/office/drawing/2010/main" xmlns="">
               <a:effectLst>
                 <a:outerShdw blurRad="63500" dist="38099" dir="2700000" algn="ctr" rotWithShape="0">
                   <a:schemeClr val="bg2">
@@ -19278,7 +19141,7 @@
         <a:effectLst/>
         <a:extLst>
           <a:ext uri="{91240B29-F687-4f45-9708-019B960494DF}">
-            <a14:hiddenLine xmlns="" xmlns:a14="http://schemas.microsoft.com/office/drawing/2010/main" w="25400" cap="flat" cmpd="sng" algn="ctr">
+            <a14:hiddenLine xmlns:a14="http://schemas.microsoft.com/office/drawing/2010/main" xmlns="" w="25400" cap="flat" cmpd="sng" algn="ctr">
               <a:solidFill>
                 <a:srgbClr val="000000"/>
               </a:solidFill>
@@ -19289,7 +19152,7 @@
             </a14:hiddenLine>
           </a:ext>
           <a:ext uri="{AF507438-7753-43e0-B8FC-AC1667EBCBE1}">
-            <a14:hiddenEffects xmlns="" xmlns:a14="http://schemas.microsoft.com/office/drawing/2010/main">
+            <a14:hiddenEffects xmlns:a14="http://schemas.microsoft.com/office/drawing/2010/main" xmlns="">
               <a:effectLst>
                 <a:outerShdw blurRad="63500" dist="38099" dir="2700000" algn="ctr" rotWithShape="0">
                   <a:schemeClr val="bg2">
